--- a/Epilepsy-control figures slow nov 18 af.pptx
+++ b/Epilepsy-control figures slow nov 18 af.pptx
@@ -219,7 +219,7 @@
           <a:p>
             <a:fld id="{059E68AF-D436-45B7-9D7B-7D787C1C2BA6}" type="datetimeFigureOut">
               <a:rPr lang="en-US" smtClean="0"/>
-              <a:t>12/13/2023</a:t>
+              <a:t>12/15/2023</a:t>
             </a:fld>
             <a:endParaRPr lang="en-US"/>
           </a:p>
@@ -1136,7 +1136,7 @@
           <a:p>
             <a:fld id="{B1863CB9-A693-CA42-9056-EA714E1C6B92}" type="datetimeFigureOut">
               <a:rPr lang="en-IL" smtClean="0"/>
-              <a:t>12/13/2023</a:t>
+              <a:t>12/15/2023</a:t>
             </a:fld>
             <a:endParaRPr lang="en-IL"/>
           </a:p>
@@ -1306,7 +1306,7 @@
           <a:p>
             <a:fld id="{B1863CB9-A693-CA42-9056-EA714E1C6B92}" type="datetimeFigureOut">
               <a:rPr lang="en-IL" smtClean="0"/>
-              <a:t>12/13/2023</a:t>
+              <a:t>12/15/2023</a:t>
             </a:fld>
             <a:endParaRPr lang="en-IL"/>
           </a:p>
@@ -1486,7 +1486,7 @@
           <a:p>
             <a:fld id="{B1863CB9-A693-CA42-9056-EA714E1C6B92}" type="datetimeFigureOut">
               <a:rPr lang="en-IL" smtClean="0"/>
-              <a:t>12/13/2023</a:t>
+              <a:t>12/15/2023</a:t>
             </a:fld>
             <a:endParaRPr lang="en-IL"/>
           </a:p>
@@ -1656,7 +1656,7 @@
           <a:p>
             <a:fld id="{B1863CB9-A693-CA42-9056-EA714E1C6B92}" type="datetimeFigureOut">
               <a:rPr lang="en-IL" smtClean="0"/>
-              <a:t>12/13/2023</a:t>
+              <a:t>12/15/2023</a:t>
             </a:fld>
             <a:endParaRPr lang="en-IL"/>
           </a:p>
@@ -1900,7 +1900,7 @@
           <a:p>
             <a:fld id="{B1863CB9-A693-CA42-9056-EA714E1C6B92}" type="datetimeFigureOut">
               <a:rPr lang="en-IL" smtClean="0"/>
-              <a:t>12/13/2023</a:t>
+              <a:t>12/15/2023</a:t>
             </a:fld>
             <a:endParaRPr lang="en-IL"/>
           </a:p>
@@ -2132,7 +2132,7 @@
           <a:p>
             <a:fld id="{B1863CB9-A693-CA42-9056-EA714E1C6B92}" type="datetimeFigureOut">
               <a:rPr lang="en-IL" smtClean="0"/>
-              <a:t>12/13/2023</a:t>
+              <a:t>12/15/2023</a:t>
             </a:fld>
             <a:endParaRPr lang="en-IL"/>
           </a:p>
@@ -2499,7 +2499,7 @@
           <a:p>
             <a:fld id="{B1863CB9-A693-CA42-9056-EA714E1C6B92}" type="datetimeFigureOut">
               <a:rPr lang="en-IL" smtClean="0"/>
-              <a:t>12/13/2023</a:t>
+              <a:t>12/15/2023</a:t>
             </a:fld>
             <a:endParaRPr lang="en-IL"/>
           </a:p>
@@ -2617,7 +2617,7 @@
           <a:p>
             <a:fld id="{B1863CB9-A693-CA42-9056-EA714E1C6B92}" type="datetimeFigureOut">
               <a:rPr lang="en-IL" smtClean="0"/>
-              <a:t>12/13/2023</a:t>
+              <a:t>12/15/2023</a:t>
             </a:fld>
             <a:endParaRPr lang="en-IL"/>
           </a:p>
@@ -2712,7 +2712,7 @@
           <a:p>
             <a:fld id="{B1863CB9-A693-CA42-9056-EA714E1C6B92}" type="datetimeFigureOut">
               <a:rPr lang="en-IL" smtClean="0"/>
-              <a:t>12/13/2023</a:t>
+              <a:t>12/15/2023</a:t>
             </a:fld>
             <a:endParaRPr lang="en-IL"/>
           </a:p>
@@ -2989,7 +2989,7 @@
           <a:p>
             <a:fld id="{B1863CB9-A693-CA42-9056-EA714E1C6B92}" type="datetimeFigureOut">
               <a:rPr lang="en-IL" smtClean="0"/>
-              <a:t>12/13/2023</a:t>
+              <a:t>12/15/2023</a:t>
             </a:fld>
             <a:endParaRPr lang="en-IL"/>
           </a:p>
@@ -3246,7 +3246,7 @@
           <a:p>
             <a:fld id="{B1863CB9-A693-CA42-9056-EA714E1C6B92}" type="datetimeFigureOut">
               <a:rPr lang="en-IL" smtClean="0"/>
-              <a:t>12/13/2023</a:t>
+              <a:t>12/15/2023</a:t>
             </a:fld>
             <a:endParaRPr lang="en-IL"/>
           </a:p>
@@ -3459,7 +3459,7 @@
           <a:p>
             <a:fld id="{B1863CB9-A693-CA42-9056-EA714E1C6B92}" type="datetimeFigureOut">
               <a:rPr lang="en-IL" smtClean="0"/>
-              <a:t>12/13/2023</a:t>
+              <a:t>12/15/2023</a:t>
             </a:fld>
             <a:endParaRPr lang="en-IL"/>
           </a:p>
@@ -9611,6 +9611,213 @@
           </a:graphicData>
         </a:graphic>
       </p:graphicFrame>
+      <p:graphicFrame>
+        <p:nvGraphicFramePr>
+          <p:cNvPr id="2" name="Object 1">
+            <a:extLst>
+              <a:ext uri="{FF2B5EF4-FFF2-40B4-BE49-F238E27FC236}">
+                <a16:creationId xmlns:a16="http://schemas.microsoft.com/office/drawing/2014/main" id="{716413E0-DA50-8A1A-808B-28951A3E78BE}"/>
+              </a:ext>
+            </a:extLst>
+          </p:cNvPr>
+          <p:cNvGraphicFramePr>
+            <a:graphicFrameLocks noChangeAspect="1"/>
+          </p:cNvGraphicFramePr>
+          <p:nvPr>
+            <p:extLst>
+              <p:ext uri="{D42A27DB-BD31-4B8C-83A1-F6EECF244321}">
+                <p14:modId xmlns:p14="http://schemas.microsoft.com/office/powerpoint/2010/main" val="4125838160"/>
+              </p:ext>
+            </p:extLst>
+          </p:nvPr>
+        </p:nvGraphicFramePr>
+        <p:xfrm>
+          <a:off x="-12700" y="7383463"/>
+          <a:ext cx="2225675" cy="2146300"/>
+        </p:xfrm>
+        <a:graphic>
+          <a:graphicData uri="http://schemas.openxmlformats.org/presentationml/2006/ole">
+            <mc:AlternateContent xmlns:mc="http://schemas.openxmlformats.org/markup-compatibility/2006">
+              <mc:Choice xmlns:v="urn:schemas-microsoft-com:vml" Requires="v">
+                <p:oleObj name="Prism 9" r:id="rId18" imgW="2904495" imgH="2802359" progId="Prism9.Document">
+                  <p:embed/>
+                </p:oleObj>
+              </mc:Choice>
+              <mc:Fallback>
+                <p:oleObj name="Prism 9" r:id="rId18" imgW="2904495" imgH="2802359" progId="Prism9.Document">
+                  <p:embed/>
+                  <p:pic>
+                    <p:nvPicPr>
+                      <p:cNvPr id="9" name="Object 8">
+                        <a:extLst>
+                          <a:ext uri="{FF2B5EF4-FFF2-40B4-BE49-F238E27FC236}">
+                            <a16:creationId xmlns:a16="http://schemas.microsoft.com/office/drawing/2014/main" id="{A2E8E616-2FD8-31BA-7F6B-E8789C91CC2B}"/>
+                          </a:ext>
+                        </a:extLst>
+                      </p:cNvPr>
+                      <p:cNvPicPr/>
+                      <p:nvPr/>
+                    </p:nvPicPr>
+                    <p:blipFill>
+                      <a:blip r:embed="rId19"/>
+                      <a:stretch>
+                        <a:fillRect/>
+                      </a:stretch>
+                    </p:blipFill>
+                    <p:spPr>
+                      <a:xfrm>
+                        <a:off x="-12700" y="7383463"/>
+                        <a:ext cx="2225675" cy="2146300"/>
+                      </a:xfrm>
+                      <a:prstGeom prst="rect">
+                        <a:avLst/>
+                      </a:prstGeom>
+                    </p:spPr>
+                  </p:pic>
+                </p:oleObj>
+              </mc:Fallback>
+            </mc:AlternateContent>
+          </a:graphicData>
+        </a:graphic>
+      </p:graphicFrame>
+      <p:graphicFrame>
+        <p:nvGraphicFramePr>
+          <p:cNvPr id="11" name="Object 10">
+            <a:extLst>
+              <a:ext uri="{FF2B5EF4-FFF2-40B4-BE49-F238E27FC236}">
+                <a16:creationId xmlns:a16="http://schemas.microsoft.com/office/drawing/2014/main" id="{037ED9F4-FE93-D47C-C82C-F55180B8D85E}"/>
+              </a:ext>
+            </a:extLst>
+          </p:cNvPr>
+          <p:cNvGraphicFramePr>
+            <a:graphicFrameLocks noChangeAspect="1"/>
+          </p:cNvGraphicFramePr>
+          <p:nvPr>
+            <p:extLst>
+              <p:ext uri="{D42A27DB-BD31-4B8C-83A1-F6EECF244321}">
+                <p14:modId xmlns:p14="http://schemas.microsoft.com/office/powerpoint/2010/main" val="523423715"/>
+              </p:ext>
+            </p:extLst>
+          </p:nvPr>
+        </p:nvGraphicFramePr>
+        <p:xfrm>
+          <a:off x="1790117" y="7383463"/>
+          <a:ext cx="1757363" cy="2049462"/>
+        </p:xfrm>
+        <a:graphic>
+          <a:graphicData uri="http://schemas.openxmlformats.org/presentationml/2006/ole">
+            <mc:AlternateContent xmlns:mc="http://schemas.openxmlformats.org/markup-compatibility/2006">
+              <mc:Choice xmlns:v="urn:schemas-microsoft-com:vml" Requires="v">
+                <p:oleObj name="Prism 9" r:id="rId20" imgW="2294425" imgH="2675945" progId="Prism9.Document">
+                  <p:embed/>
+                </p:oleObj>
+              </mc:Choice>
+              <mc:Fallback>
+                <p:oleObj name="Prism 9" r:id="rId20" imgW="2294425" imgH="2675945" progId="Prism9.Document">
+                  <p:embed/>
+                  <p:pic>
+                    <p:nvPicPr>
+                      <p:cNvPr id="2" name="Object 1">
+                        <a:extLst>
+                          <a:ext uri="{FF2B5EF4-FFF2-40B4-BE49-F238E27FC236}">
+                            <a16:creationId xmlns:a16="http://schemas.microsoft.com/office/drawing/2014/main" id="{716413E0-DA50-8A1A-808B-28951A3E78BE}"/>
+                          </a:ext>
+                        </a:extLst>
+                      </p:cNvPr>
+                      <p:cNvPicPr/>
+                      <p:nvPr/>
+                    </p:nvPicPr>
+                    <p:blipFill>
+                      <a:blip r:embed="rId21"/>
+                      <a:stretch>
+                        <a:fillRect/>
+                      </a:stretch>
+                    </p:blipFill>
+                    <p:spPr>
+                      <a:xfrm>
+                        <a:off x="1790117" y="7383463"/>
+                        <a:ext cx="1757363" cy="2049462"/>
+                      </a:xfrm>
+                      <a:prstGeom prst="rect">
+                        <a:avLst/>
+                      </a:prstGeom>
+                    </p:spPr>
+                  </p:pic>
+                </p:oleObj>
+              </mc:Fallback>
+            </mc:AlternateContent>
+          </a:graphicData>
+        </a:graphic>
+      </p:graphicFrame>
+      <p:graphicFrame>
+        <p:nvGraphicFramePr>
+          <p:cNvPr id="14" name="Object 13">
+            <a:extLst>
+              <a:ext uri="{FF2B5EF4-FFF2-40B4-BE49-F238E27FC236}">
+                <a16:creationId xmlns:a16="http://schemas.microsoft.com/office/drawing/2014/main" id="{68047562-445A-71A9-3606-030AB97B11D6}"/>
+              </a:ext>
+            </a:extLst>
+          </p:cNvPr>
+          <p:cNvGraphicFramePr>
+            <a:graphicFrameLocks noChangeAspect="1"/>
+          </p:cNvGraphicFramePr>
+          <p:nvPr>
+            <p:extLst>
+              <p:ext uri="{D42A27DB-BD31-4B8C-83A1-F6EECF244321}">
+                <p14:modId xmlns:p14="http://schemas.microsoft.com/office/powerpoint/2010/main" val="1588041125"/>
+              </p:ext>
+            </p:extLst>
+          </p:nvPr>
+        </p:nvGraphicFramePr>
+        <p:xfrm>
+          <a:off x="3278188" y="7240588"/>
+          <a:ext cx="3462337" cy="2266950"/>
+        </p:xfrm>
+        <a:graphic>
+          <a:graphicData uri="http://schemas.openxmlformats.org/presentationml/2006/ole">
+            <mc:AlternateContent xmlns:mc="http://schemas.openxmlformats.org/markup-compatibility/2006">
+              <mc:Choice xmlns:v="urn:schemas-microsoft-com:vml" Requires="v">
+                <p:oleObj name="Prism 9" r:id="rId22" imgW="4518983" imgH="2959386" progId="Prism9.Document">
+                  <p:embed/>
+                </p:oleObj>
+              </mc:Choice>
+              <mc:Fallback>
+                <p:oleObj name="Prism 9" r:id="rId22" imgW="4518983" imgH="2959386" progId="Prism9.Document">
+                  <p:embed/>
+                  <p:pic>
+                    <p:nvPicPr>
+                      <p:cNvPr id="2" name="Object 1">
+                        <a:extLst>
+                          <a:ext uri="{FF2B5EF4-FFF2-40B4-BE49-F238E27FC236}">
+                            <a16:creationId xmlns:a16="http://schemas.microsoft.com/office/drawing/2014/main" id="{716413E0-DA50-8A1A-808B-28951A3E78BE}"/>
+                          </a:ext>
+                        </a:extLst>
+                      </p:cNvPr>
+                      <p:cNvPicPr/>
+                      <p:nvPr/>
+                    </p:nvPicPr>
+                    <p:blipFill>
+                      <a:blip r:embed="rId23"/>
+                      <a:stretch>
+                        <a:fillRect/>
+                      </a:stretch>
+                    </p:blipFill>
+                    <p:spPr>
+                      <a:xfrm>
+                        <a:off x="3278188" y="7240588"/>
+                        <a:ext cx="3462337" cy="2266950"/>
+                      </a:xfrm>
+                      <a:prstGeom prst="rect">
+                        <a:avLst/>
+                      </a:prstGeom>
+                    </p:spPr>
+                  </p:pic>
+                </p:oleObj>
+              </mc:Fallback>
+            </mc:AlternateContent>
+          </a:graphicData>
+        </a:graphic>
+      </p:graphicFrame>
     </p:spTree>
     <p:extLst>
       <p:ext uri="{BB962C8B-B14F-4D97-AF65-F5344CB8AC3E}">
@@ -10689,7 +10896,7 @@
                   <a:latin typeface="Times New Roman" panose="02020603050405020304" pitchFamily="18" charset="0"/>
                   <a:cs typeface="Times New Roman" panose="02020603050405020304" pitchFamily="18" charset="0"/>
                 </a:rPr>
-                <a:t>A Medication</a:t>
+                <a:t>A</a:t>
               </a:r>
               <a:endParaRPr lang="en-IL" sz="900" b="1" dirty="0">
                 <a:latin typeface="Times New Roman" panose="02020603050405020304" pitchFamily="18" charset="0"/>
@@ -10777,7 +10984,7 @@
         <p:spPr>
           <a:xfrm>
             <a:off x="134956" y="6070553"/>
-            <a:ext cx="6588087" cy="369332"/>
+            <a:ext cx="6588087" cy="646331"/>
           </a:xfrm>
           <a:prstGeom prst="rect">
             <a:avLst/>
@@ -10845,7 +11052,21 @@
                 <a:latin typeface="Times New Roman" panose="02020603050405020304" pitchFamily="18" charset="0"/>
                 <a:cs typeface="Times New Roman" panose="02020603050405020304" pitchFamily="18" charset="0"/>
               </a:rPr>
-              <a:t>) (</a:t>
+              <a:t>)</a:t>
+            </a:r>
+            <a:r>
+              <a:rPr lang="he-IL" sz="900" dirty="0">
+                <a:latin typeface="Times New Roman" panose="02020603050405020304" pitchFamily="18" charset="0"/>
+                <a:cs typeface="Times New Roman" panose="02020603050405020304" pitchFamily="18" charset="0"/>
+              </a:rPr>
+              <a:t> </a:t>
+            </a:r>
+            <a:r>
+              <a:rPr lang="en-US" sz="900" dirty="0">
+                <a:latin typeface="Times New Roman" panose="02020603050405020304" pitchFamily="18" charset="0"/>
+                <a:cs typeface="Times New Roman" panose="02020603050405020304" pitchFamily="18" charset="0"/>
+              </a:rPr>
+              <a:t> Distribution of PWE with low and high BBBD cutoff set at the median. (</a:t>
             </a:r>
             <a:r>
               <a:rPr lang="en-US" sz="900" b="1" dirty="0">
@@ -10859,7 +11080,7 @@
                 <a:latin typeface="Times New Roman" panose="02020603050405020304" pitchFamily="18" charset="0"/>
                 <a:cs typeface="Times New Roman" panose="02020603050405020304" pitchFamily="18" charset="0"/>
               </a:rPr>
-              <a:t>) (</a:t>
+              <a:t>) Average number of medication taken by PWE with low and high BBBD. (</a:t>
             </a:r>
             <a:r>
               <a:rPr lang="en-US" sz="900" b="1" dirty="0">
@@ -10873,7 +11094,7 @@
                 <a:latin typeface="Times New Roman" panose="02020603050405020304" pitchFamily="18" charset="0"/>
                 <a:cs typeface="Times New Roman" panose="02020603050405020304" pitchFamily="18" charset="0"/>
               </a:rPr>
-              <a:t>) </a:t>
+              <a:t>) Percent of patients who take a medicine divided to low and high BBBD groups. (P= 0.36, 0.63, 0.01,0.43, 0.39,0.2,0.87, 0.78, 0.78, 0.78).</a:t>
             </a:r>
             <a:endParaRPr lang="en-US" dirty="0"/>
           </a:p>
@@ -11020,7 +11241,7 @@
           <p:nvPr>
             <p:extLst>
               <p:ext uri="{D42A27DB-BD31-4B8C-83A1-F6EECF244321}">
-                <p14:modId xmlns:p14="http://schemas.microsoft.com/office/powerpoint/2010/main" val="2709495620"/>
+                <p14:modId xmlns:p14="http://schemas.microsoft.com/office/powerpoint/2010/main" val="3993406208"/>
               </p:ext>
             </p:extLst>
           </p:nvPr>
@@ -11068,6 +11289,132 @@
           </a:graphicData>
         </a:graphic>
       </p:graphicFrame>
+      <p:sp>
+        <p:nvSpPr>
+          <p:cNvPr id="2" name="TextBox 1">
+            <a:extLst>
+              <a:ext uri="{FF2B5EF4-FFF2-40B4-BE49-F238E27FC236}">
+                <a16:creationId xmlns:a16="http://schemas.microsoft.com/office/drawing/2014/main" id="{6F15260B-AEEC-5B2E-3939-92CB1C27D644}"/>
+              </a:ext>
+            </a:extLst>
+          </p:cNvPr>
+          <p:cNvSpPr txBox="1"/>
+          <p:nvPr/>
+        </p:nvSpPr>
+        <p:spPr>
+          <a:xfrm>
+            <a:off x="3506410" y="492341"/>
+            <a:ext cx="1242905" cy="230832"/>
+          </a:xfrm>
+          <a:prstGeom prst="rect">
+            <a:avLst/>
+          </a:prstGeom>
+          <a:noFill/>
+        </p:spPr>
+        <p:txBody>
+          <a:bodyPr wrap="square" rtlCol="0">
+            <a:spAutoFit/>
+          </a:bodyPr>
+          <a:lstStyle/>
+          <a:p>
+            <a:r>
+              <a:rPr lang="en-US" sz="900" b="1" dirty="0">
+                <a:latin typeface="Times New Roman" panose="02020603050405020304" pitchFamily="18" charset="0"/>
+                <a:cs typeface="Times New Roman" panose="02020603050405020304" pitchFamily="18" charset="0"/>
+              </a:rPr>
+              <a:t>B</a:t>
+            </a:r>
+            <a:endParaRPr lang="en-IL" sz="900" b="1" dirty="0">
+              <a:latin typeface="Times New Roman" panose="02020603050405020304" pitchFamily="18" charset="0"/>
+              <a:cs typeface="Times New Roman" panose="02020603050405020304" pitchFamily="18" charset="0"/>
+            </a:endParaRPr>
+          </a:p>
+        </p:txBody>
+      </p:sp>
+      <p:sp>
+        <p:nvSpPr>
+          <p:cNvPr id="3" name="TextBox 2">
+            <a:extLst>
+              <a:ext uri="{FF2B5EF4-FFF2-40B4-BE49-F238E27FC236}">
+                <a16:creationId xmlns:a16="http://schemas.microsoft.com/office/drawing/2014/main" id="{A659DABB-C2BE-C680-ED4E-A6D25FCD9DEF}"/>
+              </a:ext>
+            </a:extLst>
+          </p:cNvPr>
+          <p:cNvSpPr txBox="1"/>
+          <p:nvPr/>
+        </p:nvSpPr>
+        <p:spPr>
+          <a:xfrm>
+            <a:off x="494093" y="3098189"/>
+            <a:ext cx="1242905" cy="230832"/>
+          </a:xfrm>
+          <a:prstGeom prst="rect">
+            <a:avLst/>
+          </a:prstGeom>
+          <a:noFill/>
+        </p:spPr>
+        <p:txBody>
+          <a:bodyPr wrap="square" rtlCol="0">
+            <a:spAutoFit/>
+          </a:bodyPr>
+          <a:lstStyle/>
+          <a:p>
+            <a:r>
+              <a:rPr lang="en-US" sz="900" b="1" dirty="0">
+                <a:latin typeface="Times New Roman" panose="02020603050405020304" pitchFamily="18" charset="0"/>
+                <a:cs typeface="Times New Roman" panose="02020603050405020304" pitchFamily="18" charset="0"/>
+              </a:rPr>
+              <a:t>C</a:t>
+            </a:r>
+            <a:endParaRPr lang="en-IL" sz="900" b="1" dirty="0">
+              <a:latin typeface="Times New Roman" panose="02020603050405020304" pitchFamily="18" charset="0"/>
+              <a:cs typeface="Times New Roman" panose="02020603050405020304" pitchFamily="18" charset="0"/>
+            </a:endParaRPr>
+          </a:p>
+        </p:txBody>
+      </p:sp>
+      <p:sp>
+        <p:nvSpPr>
+          <p:cNvPr id="5" name="TextBox 4">
+            <a:extLst>
+              <a:ext uri="{FF2B5EF4-FFF2-40B4-BE49-F238E27FC236}">
+                <a16:creationId xmlns:a16="http://schemas.microsoft.com/office/drawing/2014/main" id="{69F665F6-E1EB-6E22-3492-7EC80326F294}"/>
+              </a:ext>
+            </a:extLst>
+          </p:cNvPr>
+          <p:cNvSpPr txBox="1"/>
+          <p:nvPr/>
+        </p:nvSpPr>
+        <p:spPr>
+          <a:xfrm>
+            <a:off x="3209260" y="3045026"/>
+            <a:ext cx="1242905" cy="230832"/>
+          </a:xfrm>
+          <a:prstGeom prst="rect">
+            <a:avLst/>
+          </a:prstGeom>
+          <a:noFill/>
+        </p:spPr>
+        <p:txBody>
+          <a:bodyPr wrap="square" rtlCol="0">
+            <a:spAutoFit/>
+          </a:bodyPr>
+          <a:lstStyle/>
+          <a:p>
+            <a:r>
+              <a:rPr lang="en-US" sz="900" b="1" dirty="0">
+                <a:latin typeface="Times New Roman" panose="02020603050405020304" pitchFamily="18" charset="0"/>
+                <a:cs typeface="Times New Roman" panose="02020603050405020304" pitchFamily="18" charset="0"/>
+              </a:rPr>
+              <a:t>D</a:t>
+            </a:r>
+            <a:endParaRPr lang="en-IL" sz="900" b="1" dirty="0">
+              <a:latin typeface="Times New Roman" panose="02020603050405020304" pitchFamily="18" charset="0"/>
+              <a:cs typeface="Times New Roman" panose="02020603050405020304" pitchFamily="18" charset="0"/>
+            </a:endParaRPr>
+          </a:p>
+        </p:txBody>
+      </p:sp>
     </p:spTree>
     <p:extLst>
       <p:ext uri="{BB962C8B-B14F-4D97-AF65-F5344CB8AC3E}">

--- a/Epilepsy-control figures slow nov 18 af.pptx
+++ b/Epilepsy-control figures slow nov 18 af.pptx
@@ -5,7 +5,7 @@
     <p:sldMasterId id="2147483660" r:id="rId1"/>
   </p:sldMasterIdLst>
   <p:notesMasterIdLst>
-    <p:notesMasterId r:id="rId7"/>
+    <p:notesMasterId r:id="rId8"/>
   </p:notesMasterIdLst>
   <p:sldIdLst>
     <p:sldId id="259" r:id="rId2"/>
@@ -13,6 +13,7 @@
     <p:sldId id="263" r:id="rId4"/>
     <p:sldId id="2761" r:id="rId5"/>
     <p:sldId id="2762" r:id="rId6"/>
+    <p:sldId id="2763" r:id="rId7"/>
   </p:sldIdLst>
   <p:sldSz cx="6858000" cy="9906000" type="A4"/>
   <p:notesSz cx="6858000" cy="9144000"/>
@@ -219,7 +220,7 @@
           <a:p>
             <a:fld id="{059E68AF-D436-45B7-9D7B-7D787C1C2BA6}" type="datetimeFigureOut">
               <a:rPr lang="en-US" smtClean="0"/>
-              <a:t>12/15/2023</a:t>
+              <a:t>1/2/2024</a:t>
             </a:fld>
             <a:endParaRPr lang="en-US"/>
           </a:p>
@@ -1136,7 +1137,7 @@
           <a:p>
             <a:fld id="{B1863CB9-A693-CA42-9056-EA714E1C6B92}" type="datetimeFigureOut">
               <a:rPr lang="en-IL" smtClean="0"/>
-              <a:t>12/15/2023</a:t>
+              <a:t>01/02/2024</a:t>
             </a:fld>
             <a:endParaRPr lang="en-IL"/>
           </a:p>
@@ -1306,7 +1307,7 @@
           <a:p>
             <a:fld id="{B1863CB9-A693-CA42-9056-EA714E1C6B92}" type="datetimeFigureOut">
               <a:rPr lang="en-IL" smtClean="0"/>
-              <a:t>12/15/2023</a:t>
+              <a:t>01/02/2024</a:t>
             </a:fld>
             <a:endParaRPr lang="en-IL"/>
           </a:p>
@@ -1486,7 +1487,7 @@
           <a:p>
             <a:fld id="{B1863CB9-A693-CA42-9056-EA714E1C6B92}" type="datetimeFigureOut">
               <a:rPr lang="en-IL" smtClean="0"/>
-              <a:t>12/15/2023</a:t>
+              <a:t>01/02/2024</a:t>
             </a:fld>
             <a:endParaRPr lang="en-IL"/>
           </a:p>
@@ -1656,7 +1657,7 @@
           <a:p>
             <a:fld id="{B1863CB9-A693-CA42-9056-EA714E1C6B92}" type="datetimeFigureOut">
               <a:rPr lang="en-IL" smtClean="0"/>
-              <a:t>12/15/2023</a:t>
+              <a:t>01/02/2024</a:t>
             </a:fld>
             <a:endParaRPr lang="en-IL"/>
           </a:p>
@@ -1900,7 +1901,7 @@
           <a:p>
             <a:fld id="{B1863CB9-A693-CA42-9056-EA714E1C6B92}" type="datetimeFigureOut">
               <a:rPr lang="en-IL" smtClean="0"/>
-              <a:t>12/15/2023</a:t>
+              <a:t>01/02/2024</a:t>
             </a:fld>
             <a:endParaRPr lang="en-IL"/>
           </a:p>
@@ -2132,7 +2133,7 @@
           <a:p>
             <a:fld id="{B1863CB9-A693-CA42-9056-EA714E1C6B92}" type="datetimeFigureOut">
               <a:rPr lang="en-IL" smtClean="0"/>
-              <a:t>12/15/2023</a:t>
+              <a:t>01/02/2024</a:t>
             </a:fld>
             <a:endParaRPr lang="en-IL"/>
           </a:p>
@@ -2499,7 +2500,7 @@
           <a:p>
             <a:fld id="{B1863CB9-A693-CA42-9056-EA714E1C6B92}" type="datetimeFigureOut">
               <a:rPr lang="en-IL" smtClean="0"/>
-              <a:t>12/15/2023</a:t>
+              <a:t>01/02/2024</a:t>
             </a:fld>
             <a:endParaRPr lang="en-IL"/>
           </a:p>
@@ -2617,7 +2618,7 @@
           <a:p>
             <a:fld id="{B1863CB9-A693-CA42-9056-EA714E1C6B92}" type="datetimeFigureOut">
               <a:rPr lang="en-IL" smtClean="0"/>
-              <a:t>12/15/2023</a:t>
+              <a:t>01/02/2024</a:t>
             </a:fld>
             <a:endParaRPr lang="en-IL"/>
           </a:p>
@@ -2712,7 +2713,7 @@
           <a:p>
             <a:fld id="{B1863CB9-A693-CA42-9056-EA714E1C6B92}" type="datetimeFigureOut">
               <a:rPr lang="en-IL" smtClean="0"/>
-              <a:t>12/15/2023</a:t>
+              <a:t>01/02/2024</a:t>
             </a:fld>
             <a:endParaRPr lang="en-IL"/>
           </a:p>
@@ -2989,7 +2990,7 @@
           <a:p>
             <a:fld id="{B1863CB9-A693-CA42-9056-EA714E1C6B92}" type="datetimeFigureOut">
               <a:rPr lang="en-IL" smtClean="0"/>
-              <a:t>12/15/2023</a:t>
+              <a:t>01/02/2024</a:t>
             </a:fld>
             <a:endParaRPr lang="en-IL"/>
           </a:p>
@@ -3246,7 +3247,7 @@
           <a:p>
             <a:fld id="{B1863CB9-A693-CA42-9056-EA714E1C6B92}" type="datetimeFigureOut">
               <a:rPr lang="en-IL" smtClean="0"/>
-              <a:t>12/15/2023</a:t>
+              <a:t>01/02/2024</a:t>
             </a:fld>
             <a:endParaRPr lang="en-IL"/>
           </a:p>
@@ -3459,7 +3460,7 @@
           <a:p>
             <a:fld id="{B1863CB9-A693-CA42-9056-EA714E1C6B92}" type="datetimeFigureOut">
               <a:rPr lang="en-IL" smtClean="0"/>
-              <a:t>12/15/2023</a:t>
+              <a:t>01/02/2024</a:t>
             </a:fld>
             <a:endParaRPr lang="en-IL"/>
           </a:p>
@@ -4463,25 +4464,25 @@
           <p:nvPr>
             <p:extLst>
               <p:ext uri="{D42A27DB-BD31-4B8C-83A1-F6EECF244321}">
-                <p14:modId xmlns:p14="http://schemas.microsoft.com/office/powerpoint/2010/main" val="4228799274"/>
+                <p14:modId xmlns:p14="http://schemas.microsoft.com/office/powerpoint/2010/main" val="1943404324"/>
               </p:ext>
             </p:extLst>
           </p:nvPr>
         </p:nvGraphicFramePr>
         <p:xfrm>
-          <a:off x="3414713" y="3021921"/>
-          <a:ext cx="1932942" cy="2743200"/>
+          <a:off x="3416300" y="2982913"/>
+          <a:ext cx="1928813" cy="2820987"/>
         </p:xfrm>
         <a:graphic>
           <a:graphicData uri="http://schemas.openxmlformats.org/presentationml/2006/ole">
             <mc:AlternateContent xmlns:mc="http://schemas.openxmlformats.org/markup-compatibility/2006">
               <mc:Choice xmlns:v="urn:schemas-microsoft-com:vml" Requires="v">
-                <p:oleObj name="Prism 9" r:id="rId9" imgW="2024683" imgH="2875470" progId="Prism9.Document">
+                <p:oleObj name="Prism 9" r:id="rId9" imgW="2020001" imgH="2956144" progId="Prism9.Document">
                   <p:embed/>
                 </p:oleObj>
               </mc:Choice>
               <mc:Fallback>
-                <p:oleObj name="Prism 9" r:id="rId9" imgW="2024683" imgH="2875470" progId="Prism9.Document">
+                <p:oleObj name="Prism 9" r:id="rId9" imgW="2020001" imgH="2956144" progId="Prism9.Document">
                   <p:embed/>
                   <p:pic>
                     <p:nvPicPr>
@@ -4506,8 +4507,8 @@
                     </p:blipFill>
                     <p:spPr bwMode="auto">
                       <a:xfrm>
-                        <a:off x="3414713" y="3021921"/>
-                        <a:ext cx="1932942" cy="2743200"/>
+                        <a:off x="3416300" y="2982913"/>
+                        <a:ext cx="1928813" cy="2820987"/>
                       </a:xfrm>
                       <a:prstGeom prst="rect">
                         <a:avLst/>
@@ -5527,7 +5528,24 @@
                 <a:latin typeface="Times New Roman" panose="02020603050405020304" pitchFamily="18" charset="0"/>
                 <a:cs typeface="+mj-cs"/>
               </a:rPr>
-              <a:t>) Averaged z-score of generalized and focal epilepsy per region. (</a:t>
+              <a:t>) Averaged z-score of generalized and focal epilepsy per region. Exact values are provided in </a:t>
+            </a:r>
+            <a:r>
+              <a:rPr lang="en-US" sz="900" dirty="0">
+                <a:highlight>
+                  <a:srgbClr val="FFFF00"/>
+                </a:highlight>
+                <a:latin typeface="Times New Roman" panose="02020603050405020304" pitchFamily="18" charset="0"/>
+                <a:cs typeface="+mj-cs"/>
+              </a:rPr>
+              <a:t>table S1</a:t>
+            </a:r>
+            <a:r>
+              <a:rPr lang="en-US" sz="900" dirty="0">
+                <a:latin typeface="Times New Roman" panose="02020603050405020304" pitchFamily="18" charset="0"/>
+                <a:cs typeface="+mj-cs"/>
+              </a:rPr>
+              <a:t>(</a:t>
             </a:r>
             <a:r>
               <a:rPr lang="en-US" sz="900" b="1" dirty="0">
@@ -6576,7 +6594,7 @@
                 <a:latin typeface="Times New Roman" panose="02020603050405020304" pitchFamily="18" charset="0"/>
                 <a:cs typeface="+mj-cs"/>
               </a:rPr>
-              <a:t>D  Suspected temporal</a:t>
+              <a:t>D Temporal</a:t>
             </a:r>
             <a:endParaRPr lang="en-IL" sz="1100" b="1" dirty="0">
               <a:latin typeface="Times New Roman" panose="02020603050405020304" pitchFamily="18" charset="0"/>
@@ -7727,7 +7745,7 @@
           <p:nvPr>
             <p:extLst>
               <p:ext uri="{D42A27DB-BD31-4B8C-83A1-F6EECF244321}">
-                <p14:modId xmlns:p14="http://schemas.microsoft.com/office/powerpoint/2010/main" val="1533722507"/>
+                <p14:modId xmlns:p14="http://schemas.microsoft.com/office/powerpoint/2010/main" val="1104136208"/>
               </p:ext>
             </p:extLst>
           </p:nvPr>
@@ -8310,7 +8328,7 @@
         <p:spPr>
           <a:xfrm>
             <a:off x="61931" y="6181321"/>
-            <a:ext cx="6588087" cy="938719"/>
+            <a:ext cx="6588087" cy="1107996"/>
           </a:xfrm>
           <a:prstGeom prst="rect">
             <a:avLst/>
@@ -8461,6 +8479,30 @@
               </a:rPr>
               <a:t>right occipital cavernoma. Upper row: representative anatomical images showing the lesion (red circle). Lower row: regional analysis of BBB leakage.</a:t>
             </a:r>
+            <a:r>
+              <a:rPr lang="en-US" sz="1100" dirty="0">
+                <a:solidFill>
+                  <a:srgbClr val="000000"/>
+                </a:solidFill>
+                <a:latin typeface="Times New Roman" panose="02020603050405020304" pitchFamily="18" charset="0"/>
+                <a:cs typeface="Times New Roman" panose="02020603050405020304" pitchFamily="18" charset="0"/>
+              </a:rPr>
+              <a:t> </a:t>
+            </a:r>
+            <a:r>
+              <a:rPr lang="en-US" sz="1100" b="1" dirty="0">
+                <a:latin typeface="Times New Roman" panose="02020603050405020304" pitchFamily="18" charset="0"/>
+                <a:cs typeface="Times New Roman" panose="02020603050405020304" pitchFamily="18" charset="0"/>
+              </a:rPr>
+              <a:t>D</a:t>
+            </a:r>
+            <a:r>
+              <a:rPr lang="en-US" sz="1100" dirty="0">
+                <a:latin typeface="Times New Roman" panose="02020603050405020304" pitchFamily="18" charset="0"/>
+                <a:cs typeface="Times New Roman" panose="02020603050405020304" pitchFamily="18" charset="0"/>
+              </a:rPr>
+              <a:t>: Location of region(s) with maximum BBBD in relation to lesion site. </a:t>
+            </a:r>
             <a:endParaRPr lang="en-IL" sz="1100" dirty="0">
               <a:latin typeface="Times New Roman" panose="02020603050405020304" pitchFamily="18" charset="0"/>
               <a:cs typeface="Times New Roman" panose="02020603050405020304" pitchFamily="18" charset="0"/>
@@ -8472,7 +8514,7 @@
                 <a:latin typeface="Times New Roman" panose="02020603050405020304" pitchFamily="18" charset="0"/>
                 <a:cs typeface="Times New Roman" panose="02020603050405020304" pitchFamily="18" charset="0"/>
               </a:rPr>
-              <a:t>D</a:t>
+              <a:t>E</a:t>
             </a:r>
             <a:r>
               <a:rPr lang="en-US" sz="1100" dirty="0">
@@ -8486,7 +8528,7 @@
                 <a:latin typeface="Times New Roman" panose="02020603050405020304" pitchFamily="18" charset="0"/>
                 <a:cs typeface="Times New Roman" panose="02020603050405020304" pitchFamily="18" charset="0"/>
               </a:rPr>
-              <a:t>E</a:t>
+              <a:t>F</a:t>
             </a:r>
             <a:r>
               <a:rPr lang="en-US" sz="1100" dirty="0">
@@ -8494,20 +8536,6 @@
                 <a:cs typeface="Times New Roman" panose="02020603050405020304" pitchFamily="18" charset="0"/>
               </a:rPr>
               <a:t>: % of regions (out of 123) with BBBD (Z score &gt; 2). </a:t>
-            </a:r>
-            <a:r>
-              <a:rPr lang="en-US" sz="1100" b="1" dirty="0">
-                <a:latin typeface="Times New Roman" panose="02020603050405020304" pitchFamily="18" charset="0"/>
-                <a:cs typeface="Times New Roman" panose="02020603050405020304" pitchFamily="18" charset="0"/>
-              </a:rPr>
-              <a:t>F</a:t>
-            </a:r>
-            <a:r>
-              <a:rPr lang="en-US" sz="1100" dirty="0">
-                <a:latin typeface="Times New Roman" panose="02020603050405020304" pitchFamily="18" charset="0"/>
-                <a:cs typeface="Times New Roman" panose="02020603050405020304" pitchFamily="18" charset="0"/>
-              </a:rPr>
-              <a:t>: Location of region(s) with maximum BBBD in relation to lesion site. </a:t>
             </a:r>
             <a:r>
               <a:rPr lang="en-US" sz="1100" dirty="0">
@@ -8829,7 +8857,7 @@
         </p:nvSpPr>
         <p:spPr>
           <a:xfrm>
-            <a:off x="177412" y="512885"/>
+            <a:off x="151399" y="497556"/>
             <a:ext cx="1789656" cy="261610"/>
           </a:xfrm>
           <a:prstGeom prst="rect">
@@ -9411,25 +9439,25 @@
           <p:nvPr>
             <p:extLst>
               <p:ext uri="{D42A27DB-BD31-4B8C-83A1-F6EECF244321}">
-                <p14:modId xmlns:p14="http://schemas.microsoft.com/office/powerpoint/2010/main" val="2092174430"/>
+                <p14:modId xmlns:p14="http://schemas.microsoft.com/office/powerpoint/2010/main" val="897294212"/>
               </p:ext>
             </p:extLst>
           </p:nvPr>
         </p:nvGraphicFramePr>
         <p:xfrm>
-          <a:off x="0" y="3584847"/>
-          <a:ext cx="1603216" cy="2401251"/>
+          <a:off x="1689100" y="3590925"/>
+          <a:ext cx="1600200" cy="2295525"/>
         </p:xfrm>
         <a:graphic>
           <a:graphicData uri="http://schemas.openxmlformats.org/presentationml/2006/ole">
             <mc:AlternateContent xmlns:mc="http://schemas.openxmlformats.org/markup-compatibility/2006">
               <mc:Choice xmlns:v="urn:schemas-microsoft-com:vml" Requires="v">
-                <p:oleObj name="Prism 9" r:id="rId12" imgW="2024683" imgH="3035738" progId="Prism9.Document">
+                <p:oleObj name="Prism 9" r:id="rId12" imgW="2020001" imgH="2899960" progId="Prism9.Document">
                   <p:embed/>
                 </p:oleObj>
               </mc:Choice>
               <mc:Fallback>
-                <p:oleObj name="Prism 9" r:id="rId12" imgW="2024683" imgH="3035738" progId="Prism9.Document">
+                <p:oleObj name="Prism 9" r:id="rId12" imgW="2020001" imgH="2899960" progId="Prism9.Document">
                   <p:embed/>
                   <p:pic>
                     <p:nvPicPr>
@@ -9454,8 +9482,8 @@
                     </p:blipFill>
                     <p:spPr bwMode="auto">
                       <a:xfrm>
-                        <a:off x="0" y="3584847"/>
-                        <a:ext cx="1603216" cy="2401251"/>
+                        <a:off x="1689100" y="3590925"/>
+                        <a:ext cx="1600200" cy="2295525"/>
                       </a:xfrm>
                       <a:prstGeom prst="rect">
                         <a:avLst/>
@@ -9484,13 +9512,13 @@
           <p:nvPr>
             <p:extLst>
               <p:ext uri="{D42A27DB-BD31-4B8C-83A1-F6EECF244321}">
-                <p14:modId xmlns:p14="http://schemas.microsoft.com/office/powerpoint/2010/main" val="3993945655"/>
+                <p14:modId xmlns:p14="http://schemas.microsoft.com/office/powerpoint/2010/main" val="2813422717"/>
               </p:ext>
             </p:extLst>
           </p:nvPr>
         </p:nvGraphicFramePr>
         <p:xfrm>
-          <a:off x="1648363" y="3644374"/>
+          <a:off x="3098054" y="3539096"/>
           <a:ext cx="1583089" cy="2401251"/>
         </p:xfrm>
         <a:graphic>
@@ -9527,7 +9555,7 @@
                     </p:blipFill>
                     <p:spPr bwMode="auto">
                       <a:xfrm>
-                        <a:off x="1648363" y="3644374"/>
+                        <a:off x="3098054" y="3539096"/>
                         <a:ext cx="1583089" cy="2401251"/>
                       </a:xfrm>
                       <a:prstGeom prst="rect">
@@ -9557,13 +9585,13 @@
           <p:nvPr>
             <p:extLst>
               <p:ext uri="{D42A27DB-BD31-4B8C-83A1-F6EECF244321}">
-                <p14:modId xmlns:p14="http://schemas.microsoft.com/office/powerpoint/2010/main" val="812190812"/>
+                <p14:modId xmlns:p14="http://schemas.microsoft.com/office/powerpoint/2010/main" val="3217222208"/>
               </p:ext>
             </p:extLst>
           </p:nvPr>
         </p:nvGraphicFramePr>
         <p:xfrm>
-          <a:off x="3133349" y="3599974"/>
+          <a:off x="405909" y="3539096"/>
           <a:ext cx="1535146" cy="2401251"/>
         </p:xfrm>
         <a:graphic>
@@ -9597,215 +9625,8 @@
                     </p:blipFill>
                     <p:spPr>
                       <a:xfrm>
-                        <a:off x="3133349" y="3599974"/>
+                        <a:off x="405909" y="3539096"/>
                         <a:ext cx="1535146" cy="2401251"/>
-                      </a:xfrm>
-                      <a:prstGeom prst="rect">
-                        <a:avLst/>
-                      </a:prstGeom>
-                    </p:spPr>
-                  </p:pic>
-                </p:oleObj>
-              </mc:Fallback>
-            </mc:AlternateContent>
-          </a:graphicData>
-        </a:graphic>
-      </p:graphicFrame>
-      <p:graphicFrame>
-        <p:nvGraphicFramePr>
-          <p:cNvPr id="2" name="Object 1">
-            <a:extLst>
-              <a:ext uri="{FF2B5EF4-FFF2-40B4-BE49-F238E27FC236}">
-                <a16:creationId xmlns:a16="http://schemas.microsoft.com/office/drawing/2014/main" id="{716413E0-DA50-8A1A-808B-28951A3E78BE}"/>
-              </a:ext>
-            </a:extLst>
-          </p:cNvPr>
-          <p:cNvGraphicFramePr>
-            <a:graphicFrameLocks noChangeAspect="1"/>
-          </p:cNvGraphicFramePr>
-          <p:nvPr>
-            <p:extLst>
-              <p:ext uri="{D42A27DB-BD31-4B8C-83A1-F6EECF244321}">
-                <p14:modId xmlns:p14="http://schemas.microsoft.com/office/powerpoint/2010/main" val="4125838160"/>
-              </p:ext>
-            </p:extLst>
-          </p:nvPr>
-        </p:nvGraphicFramePr>
-        <p:xfrm>
-          <a:off x="-12700" y="7383463"/>
-          <a:ext cx="2225675" cy="2146300"/>
-        </p:xfrm>
-        <a:graphic>
-          <a:graphicData uri="http://schemas.openxmlformats.org/presentationml/2006/ole">
-            <mc:AlternateContent xmlns:mc="http://schemas.openxmlformats.org/markup-compatibility/2006">
-              <mc:Choice xmlns:v="urn:schemas-microsoft-com:vml" Requires="v">
-                <p:oleObj name="Prism 9" r:id="rId18" imgW="2904495" imgH="2802359" progId="Prism9.Document">
-                  <p:embed/>
-                </p:oleObj>
-              </mc:Choice>
-              <mc:Fallback>
-                <p:oleObj name="Prism 9" r:id="rId18" imgW="2904495" imgH="2802359" progId="Prism9.Document">
-                  <p:embed/>
-                  <p:pic>
-                    <p:nvPicPr>
-                      <p:cNvPr id="9" name="Object 8">
-                        <a:extLst>
-                          <a:ext uri="{FF2B5EF4-FFF2-40B4-BE49-F238E27FC236}">
-                            <a16:creationId xmlns:a16="http://schemas.microsoft.com/office/drawing/2014/main" id="{A2E8E616-2FD8-31BA-7F6B-E8789C91CC2B}"/>
-                          </a:ext>
-                        </a:extLst>
-                      </p:cNvPr>
-                      <p:cNvPicPr/>
-                      <p:nvPr/>
-                    </p:nvPicPr>
-                    <p:blipFill>
-                      <a:blip r:embed="rId19"/>
-                      <a:stretch>
-                        <a:fillRect/>
-                      </a:stretch>
-                    </p:blipFill>
-                    <p:spPr>
-                      <a:xfrm>
-                        <a:off x="-12700" y="7383463"/>
-                        <a:ext cx="2225675" cy="2146300"/>
-                      </a:xfrm>
-                      <a:prstGeom prst="rect">
-                        <a:avLst/>
-                      </a:prstGeom>
-                    </p:spPr>
-                  </p:pic>
-                </p:oleObj>
-              </mc:Fallback>
-            </mc:AlternateContent>
-          </a:graphicData>
-        </a:graphic>
-      </p:graphicFrame>
-      <p:graphicFrame>
-        <p:nvGraphicFramePr>
-          <p:cNvPr id="11" name="Object 10">
-            <a:extLst>
-              <a:ext uri="{FF2B5EF4-FFF2-40B4-BE49-F238E27FC236}">
-                <a16:creationId xmlns:a16="http://schemas.microsoft.com/office/drawing/2014/main" id="{037ED9F4-FE93-D47C-C82C-F55180B8D85E}"/>
-              </a:ext>
-            </a:extLst>
-          </p:cNvPr>
-          <p:cNvGraphicFramePr>
-            <a:graphicFrameLocks noChangeAspect="1"/>
-          </p:cNvGraphicFramePr>
-          <p:nvPr>
-            <p:extLst>
-              <p:ext uri="{D42A27DB-BD31-4B8C-83A1-F6EECF244321}">
-                <p14:modId xmlns:p14="http://schemas.microsoft.com/office/powerpoint/2010/main" val="523423715"/>
-              </p:ext>
-            </p:extLst>
-          </p:nvPr>
-        </p:nvGraphicFramePr>
-        <p:xfrm>
-          <a:off x="1790117" y="7383463"/>
-          <a:ext cx="1757363" cy="2049462"/>
-        </p:xfrm>
-        <a:graphic>
-          <a:graphicData uri="http://schemas.openxmlformats.org/presentationml/2006/ole">
-            <mc:AlternateContent xmlns:mc="http://schemas.openxmlformats.org/markup-compatibility/2006">
-              <mc:Choice xmlns:v="urn:schemas-microsoft-com:vml" Requires="v">
-                <p:oleObj name="Prism 9" r:id="rId20" imgW="2294425" imgH="2675945" progId="Prism9.Document">
-                  <p:embed/>
-                </p:oleObj>
-              </mc:Choice>
-              <mc:Fallback>
-                <p:oleObj name="Prism 9" r:id="rId20" imgW="2294425" imgH="2675945" progId="Prism9.Document">
-                  <p:embed/>
-                  <p:pic>
-                    <p:nvPicPr>
-                      <p:cNvPr id="2" name="Object 1">
-                        <a:extLst>
-                          <a:ext uri="{FF2B5EF4-FFF2-40B4-BE49-F238E27FC236}">
-                            <a16:creationId xmlns:a16="http://schemas.microsoft.com/office/drawing/2014/main" id="{716413E0-DA50-8A1A-808B-28951A3E78BE}"/>
-                          </a:ext>
-                        </a:extLst>
-                      </p:cNvPr>
-                      <p:cNvPicPr/>
-                      <p:nvPr/>
-                    </p:nvPicPr>
-                    <p:blipFill>
-                      <a:blip r:embed="rId21"/>
-                      <a:stretch>
-                        <a:fillRect/>
-                      </a:stretch>
-                    </p:blipFill>
-                    <p:spPr>
-                      <a:xfrm>
-                        <a:off x="1790117" y="7383463"/>
-                        <a:ext cx="1757363" cy="2049462"/>
-                      </a:xfrm>
-                      <a:prstGeom prst="rect">
-                        <a:avLst/>
-                      </a:prstGeom>
-                    </p:spPr>
-                  </p:pic>
-                </p:oleObj>
-              </mc:Fallback>
-            </mc:AlternateContent>
-          </a:graphicData>
-        </a:graphic>
-      </p:graphicFrame>
-      <p:graphicFrame>
-        <p:nvGraphicFramePr>
-          <p:cNvPr id="14" name="Object 13">
-            <a:extLst>
-              <a:ext uri="{FF2B5EF4-FFF2-40B4-BE49-F238E27FC236}">
-                <a16:creationId xmlns:a16="http://schemas.microsoft.com/office/drawing/2014/main" id="{68047562-445A-71A9-3606-030AB97B11D6}"/>
-              </a:ext>
-            </a:extLst>
-          </p:cNvPr>
-          <p:cNvGraphicFramePr>
-            <a:graphicFrameLocks noChangeAspect="1"/>
-          </p:cNvGraphicFramePr>
-          <p:nvPr>
-            <p:extLst>
-              <p:ext uri="{D42A27DB-BD31-4B8C-83A1-F6EECF244321}">
-                <p14:modId xmlns:p14="http://schemas.microsoft.com/office/powerpoint/2010/main" val="1588041125"/>
-              </p:ext>
-            </p:extLst>
-          </p:nvPr>
-        </p:nvGraphicFramePr>
-        <p:xfrm>
-          <a:off x="3278188" y="7240588"/>
-          <a:ext cx="3462337" cy="2266950"/>
-        </p:xfrm>
-        <a:graphic>
-          <a:graphicData uri="http://schemas.openxmlformats.org/presentationml/2006/ole">
-            <mc:AlternateContent xmlns:mc="http://schemas.openxmlformats.org/markup-compatibility/2006">
-              <mc:Choice xmlns:v="urn:schemas-microsoft-com:vml" Requires="v">
-                <p:oleObj name="Prism 9" r:id="rId22" imgW="4518983" imgH="2959386" progId="Prism9.Document">
-                  <p:embed/>
-                </p:oleObj>
-              </mc:Choice>
-              <mc:Fallback>
-                <p:oleObj name="Prism 9" r:id="rId22" imgW="4518983" imgH="2959386" progId="Prism9.Document">
-                  <p:embed/>
-                  <p:pic>
-                    <p:nvPicPr>
-                      <p:cNvPr id="2" name="Object 1">
-                        <a:extLst>
-                          <a:ext uri="{FF2B5EF4-FFF2-40B4-BE49-F238E27FC236}">
-                            <a16:creationId xmlns:a16="http://schemas.microsoft.com/office/drawing/2014/main" id="{716413E0-DA50-8A1A-808B-28951A3E78BE}"/>
-                          </a:ext>
-                        </a:extLst>
-                      </p:cNvPr>
-                      <p:cNvPicPr/>
-                      <p:nvPr/>
-                    </p:nvPicPr>
-                    <p:blipFill>
-                      <a:blip r:embed="rId23"/>
-                      <a:stretch>
-                        <a:fillRect/>
-                      </a:stretch>
-                    </p:blipFill>
-                    <p:spPr>
-                      <a:xfrm>
-                        <a:off x="3278188" y="7240588"/>
-                        <a:ext cx="3462337" cy="2266950"/>
                       </a:xfrm>
                       <a:prstGeom prst="rect">
                         <a:avLst/>
@@ -9862,10 +9683,10 @@
         </p:nvGrpSpPr>
         <p:grpSpPr>
           <a:xfrm>
-            <a:off x="204660" y="475800"/>
-            <a:ext cx="2673137" cy="2017097"/>
-            <a:chOff x="229016" y="448230"/>
-            <a:chExt cx="3285784" cy="2479388"/>
+            <a:off x="206375" y="475800"/>
+            <a:ext cx="2670175" cy="2016576"/>
+            <a:chOff x="231124" y="448230"/>
+            <a:chExt cx="3282143" cy="2478747"/>
           </a:xfrm>
         </p:grpSpPr>
         <p:graphicFrame>
@@ -9883,25 +9704,25 @@
             <p:nvPr>
               <p:extLst>
                 <p:ext uri="{D42A27DB-BD31-4B8C-83A1-F6EECF244321}">
-                  <p14:modId xmlns:p14="http://schemas.microsoft.com/office/powerpoint/2010/main" val="2692728952"/>
+                  <p14:modId xmlns:p14="http://schemas.microsoft.com/office/powerpoint/2010/main" val="3986502320"/>
                 </p:ext>
               </p:extLst>
             </p:nvPr>
           </p:nvGraphicFramePr>
           <p:xfrm>
-            <a:off x="229016" y="641618"/>
-            <a:ext cx="3285784" cy="2286000"/>
+            <a:off x="231124" y="641966"/>
+            <a:ext cx="3282143" cy="2285011"/>
           </p:xfrm>
           <a:graphic>
             <a:graphicData uri="http://schemas.openxmlformats.org/presentationml/2006/ole">
               <mc:AlternateContent xmlns:mc="http://schemas.openxmlformats.org/markup-compatibility/2006">
                 <mc:Choice xmlns:v="urn:schemas-microsoft-com:vml" Requires="v">
-                  <p:oleObj name="Prism 9" r:id="rId2" imgW="3860295" imgH="2689630" progId="Prism9.Document">
+                  <p:oleObj name="Prism 9" r:id="rId2" imgW="3855613" imgH="2689630" progId="Prism9.Document">
                     <p:embed/>
                   </p:oleObj>
                 </mc:Choice>
                 <mc:Fallback>
-                  <p:oleObj name="Prism 9" r:id="rId2" imgW="3860295" imgH="2689630" progId="Prism9.Document">
+                  <p:oleObj name="Prism 9" r:id="rId2" imgW="3855613" imgH="2689630" progId="Prism9.Document">
                     <p:embed/>
                     <p:pic>
                       <p:nvPicPr>
@@ -9926,8 +9747,8 @@
                       </p:blipFill>
                       <p:spPr bwMode="auto">
                         <a:xfrm>
-                          <a:off x="229016" y="641618"/>
-                          <a:ext cx="3285784" cy="2286000"/>
+                          <a:off x="231124" y="641966"/>
+                          <a:ext cx="3282143" cy="2285011"/>
                         </a:xfrm>
                         <a:prstGeom prst="rect">
                           <a:avLst/>
@@ -9998,10 +9819,10 @@
         </p:nvGrpSpPr>
         <p:grpSpPr>
           <a:xfrm>
-            <a:off x="54289" y="2449370"/>
-            <a:ext cx="2672224" cy="1953663"/>
-            <a:chOff x="-104313" y="2731540"/>
-            <a:chExt cx="3284662" cy="2401416"/>
+            <a:off x="206375" y="2449370"/>
+            <a:ext cx="2670175" cy="1954355"/>
+            <a:chOff x="-103327" y="2731540"/>
+            <a:chExt cx="3282143" cy="2402267"/>
           </a:xfrm>
         </p:grpSpPr>
         <p:graphicFrame>
@@ -10019,25 +9840,25 @@
             <p:nvPr>
               <p:extLst>
                 <p:ext uri="{D42A27DB-BD31-4B8C-83A1-F6EECF244321}">
-                  <p14:modId xmlns:p14="http://schemas.microsoft.com/office/powerpoint/2010/main" val="3993908770"/>
+                  <p14:modId xmlns:p14="http://schemas.microsoft.com/office/powerpoint/2010/main" val="2058383842"/>
                 </p:ext>
               </p:extLst>
             </p:nvPr>
           </p:nvGraphicFramePr>
           <p:xfrm>
-            <a:off x="-104313" y="2846956"/>
-            <a:ext cx="3284662" cy="2286000"/>
+            <a:off x="-103327" y="2846844"/>
+            <a:ext cx="3282143" cy="2286963"/>
           </p:xfrm>
           <a:graphic>
             <a:graphicData uri="http://schemas.openxmlformats.org/presentationml/2006/ole">
               <mc:AlternateContent xmlns:mc="http://schemas.openxmlformats.org/markup-compatibility/2006">
                 <mc:Choice xmlns:v="urn:schemas-microsoft-com:vml" Requires="v">
-                  <p:oleObj name="Prism 9" r:id="rId4" imgW="3860295" imgH="2689630" progId="Prism9.Document">
+                  <p:oleObj name="Prism 9" r:id="rId4" imgW="3855613" imgH="2689630" progId="Prism9.Document">
                     <p:embed/>
                   </p:oleObj>
                 </mc:Choice>
                 <mc:Fallback>
-                  <p:oleObj name="Prism 9" r:id="rId4" imgW="3860295" imgH="2689630" progId="Prism9.Document">
+                  <p:oleObj name="Prism 9" r:id="rId4" imgW="3855613" imgH="2689630" progId="Prism9.Document">
                     <p:embed/>
                     <p:pic>
                       <p:nvPicPr>
@@ -10062,8 +9883,8 @@
                       </p:blipFill>
                       <p:spPr bwMode="auto">
                         <a:xfrm>
-                          <a:off x="-104313" y="2846956"/>
-                          <a:ext cx="3284662" cy="2286000"/>
+                          <a:off x="-103327" y="2846844"/>
+                          <a:ext cx="3282143" cy="2286963"/>
                         </a:xfrm>
                         <a:prstGeom prst="rect">
                           <a:avLst/>
@@ -10134,10 +9955,10 @@
         </p:nvGrpSpPr>
         <p:grpSpPr>
           <a:xfrm>
-            <a:off x="3429000" y="2434405"/>
-            <a:ext cx="2672224" cy="2024617"/>
-            <a:chOff x="3189288" y="2846956"/>
-            <a:chExt cx="3284662" cy="2488632"/>
+            <a:off x="3430588" y="2434405"/>
+            <a:ext cx="2668587" cy="2024883"/>
+            <a:chOff x="3191240" y="2846956"/>
+            <a:chExt cx="3280191" cy="2488959"/>
           </a:xfrm>
         </p:grpSpPr>
         <p:graphicFrame>
@@ -10155,25 +9976,25 @@
             <p:nvPr>
               <p:extLst>
                 <p:ext uri="{D42A27DB-BD31-4B8C-83A1-F6EECF244321}">
-                  <p14:modId xmlns:p14="http://schemas.microsoft.com/office/powerpoint/2010/main" val="125011768"/>
+                  <p14:modId xmlns:p14="http://schemas.microsoft.com/office/powerpoint/2010/main" val="3000720654"/>
                 </p:ext>
               </p:extLst>
             </p:nvPr>
           </p:nvGraphicFramePr>
           <p:xfrm>
-            <a:off x="3189288" y="3049588"/>
-            <a:ext cx="3284662" cy="2286000"/>
+            <a:off x="3191240" y="3048952"/>
+            <a:ext cx="3280191" cy="2286963"/>
           </p:xfrm>
           <a:graphic>
             <a:graphicData uri="http://schemas.openxmlformats.org/presentationml/2006/ole">
               <mc:AlternateContent xmlns:mc="http://schemas.openxmlformats.org/markup-compatibility/2006">
                 <mc:Choice xmlns:v="urn:schemas-microsoft-com:vml" Requires="v">
-                  <p:oleObj name="Prism 9" r:id="rId6" imgW="3860295" imgH="2689630" progId="Prism9.Document">
+                  <p:oleObj name="Prism 9" r:id="rId6" imgW="3855613" imgH="2689630" progId="Prism9.Document">
                     <p:embed/>
                   </p:oleObj>
                 </mc:Choice>
                 <mc:Fallback>
-                  <p:oleObj name="Prism 9" r:id="rId6" imgW="3860295" imgH="2689630" progId="Prism9.Document">
+                  <p:oleObj name="Prism 9" r:id="rId6" imgW="3855613" imgH="2689630" progId="Prism9.Document">
                     <p:embed/>
                     <p:pic>
                       <p:nvPicPr>
@@ -10198,8 +10019,8 @@
                       </p:blipFill>
                       <p:spPr bwMode="auto">
                         <a:xfrm>
-                          <a:off x="3189288" y="3049588"/>
-                          <a:ext cx="3284662" cy="2286000"/>
+                          <a:off x="3191240" y="3048952"/>
+                          <a:ext cx="3280191" cy="2286963"/>
                         </a:xfrm>
                         <a:prstGeom prst="rect">
                           <a:avLst/>
@@ -10270,10 +10091,10 @@
         </p:nvGrpSpPr>
         <p:grpSpPr>
           <a:xfrm>
-            <a:off x="3483120" y="395167"/>
-            <a:ext cx="1671265" cy="2231719"/>
-            <a:chOff x="3511866" y="234873"/>
-            <a:chExt cx="2054297" cy="2834041"/>
+            <a:off x="3635375" y="406576"/>
+            <a:ext cx="1666875" cy="2231849"/>
+            <a:chOff x="3513304" y="234873"/>
+            <a:chExt cx="2048901" cy="2834206"/>
           </a:xfrm>
         </p:grpSpPr>
         <p:graphicFrame>
@@ -10291,25 +10112,25 @@
             <p:nvPr>
               <p:extLst>
                 <p:ext uri="{D42A27DB-BD31-4B8C-83A1-F6EECF244321}">
-                  <p14:modId xmlns:p14="http://schemas.microsoft.com/office/powerpoint/2010/main" val="3144356282"/>
+                  <p14:modId xmlns:p14="http://schemas.microsoft.com/office/powerpoint/2010/main" val="3815631479"/>
                 </p:ext>
               </p:extLst>
             </p:nvPr>
           </p:nvGraphicFramePr>
           <p:xfrm>
-            <a:off x="3511866" y="325714"/>
-            <a:ext cx="2054297" cy="2743200"/>
+            <a:off x="3513304" y="325368"/>
+            <a:ext cx="2048901" cy="2743711"/>
           </p:xfrm>
           <a:graphic>
             <a:graphicData uri="http://schemas.openxmlformats.org/presentationml/2006/ole">
               <mc:AlternateContent xmlns:mc="http://schemas.openxmlformats.org/markup-compatibility/2006">
                 <mc:Choice xmlns:v="urn:schemas-microsoft-com:vml" Requires="v">
-                  <p:oleObj name="Prism 9" r:id="rId8" imgW="2024683" imgH="2704757" progId="Prism9.Document">
+                  <p:oleObj name="Prism 9" r:id="rId8" imgW="2020001" imgH="2704757" progId="Prism9.Document">
                     <p:embed/>
                   </p:oleObj>
                 </mc:Choice>
                 <mc:Fallback>
-                  <p:oleObj name="Prism 9" r:id="rId8" imgW="2024683" imgH="2704757" progId="Prism9.Document">
+                  <p:oleObj name="Prism 9" r:id="rId8" imgW="2020001" imgH="2704757" progId="Prism9.Document">
                     <p:embed/>
                     <p:pic>
                       <p:nvPicPr>
@@ -10334,8 +10155,8 @@
                       </p:blipFill>
                       <p:spPr bwMode="auto">
                         <a:xfrm>
-                          <a:off x="3511866" y="325714"/>
-                          <a:ext cx="2054297" cy="2743200"/>
+                          <a:off x="3513304" y="325368"/>
+                          <a:ext cx="2048901" cy="2743711"/>
                         </a:xfrm>
                         <a:prstGeom prst="rect">
                           <a:avLst/>
@@ -10408,10 +10229,10 @@
         </p:nvGrpSpPr>
         <p:grpSpPr>
           <a:xfrm>
-            <a:off x="302391" y="4522657"/>
-            <a:ext cx="2482275" cy="1859767"/>
-            <a:chOff x="-84225" y="5561763"/>
-            <a:chExt cx="3757825" cy="2815432"/>
+            <a:off x="161925" y="4522658"/>
+            <a:ext cx="2717800" cy="2033718"/>
+            <a:chOff x="-85641" y="5561763"/>
+            <a:chExt cx="3761910" cy="2815019"/>
           </a:xfrm>
         </p:grpSpPr>
         <p:graphicFrame>
@@ -10429,25 +10250,25 @@
             <p:nvPr>
               <p:extLst>
                 <p:ext uri="{D42A27DB-BD31-4B8C-83A1-F6EECF244321}">
-                  <p14:modId xmlns:p14="http://schemas.microsoft.com/office/powerpoint/2010/main" val="270707589"/>
+                  <p14:modId xmlns:p14="http://schemas.microsoft.com/office/powerpoint/2010/main" val="1250720734"/>
                 </p:ext>
               </p:extLst>
             </p:nvPr>
           </p:nvGraphicFramePr>
           <p:xfrm>
-            <a:off x="-84225" y="5753197"/>
-            <a:ext cx="3757825" cy="2623998"/>
+            <a:off x="-85641" y="5753115"/>
+            <a:ext cx="3761910" cy="2623667"/>
           </p:xfrm>
           <a:graphic>
             <a:graphicData uri="http://schemas.openxmlformats.org/presentationml/2006/ole">
               <mc:AlternateContent xmlns:mc="http://schemas.openxmlformats.org/markup-compatibility/2006">
                 <mc:Choice xmlns:v="urn:schemas-microsoft-com:vml" Requires="v">
-                  <p:oleObj name="Prism 9" r:id="rId10" imgW="3855613" imgH="2689630" progId="Prism9.Document">
+                  <p:oleObj name="Prism 9" r:id="rId10" imgW="3860295" imgH="2689630" progId="Prism9.Document">
                     <p:embed/>
                   </p:oleObj>
                 </mc:Choice>
                 <mc:Fallback>
-                  <p:oleObj name="Prism 9" r:id="rId10" imgW="3855613" imgH="2689630" progId="Prism9.Document">
+                  <p:oleObj name="Prism 9" r:id="rId10" imgW="3860295" imgH="2689630" progId="Prism9.Document">
                     <p:embed/>
                     <p:pic>
                       <p:nvPicPr>
@@ -10472,8 +10293,8 @@
                       </p:blipFill>
                       <p:spPr bwMode="auto">
                         <a:xfrm>
-                          <a:off x="-84225" y="5753197"/>
-                          <a:ext cx="3757825" cy="2623998"/>
+                          <a:off x="-85641" y="5753115"/>
+                          <a:ext cx="3761910" cy="2623667"/>
                         </a:xfrm>
                         <a:prstGeom prst="rect">
                           <a:avLst/>
@@ -10607,7 +10428,7 @@
         </p:nvSpPr>
         <p:spPr>
           <a:xfrm>
-            <a:off x="54289" y="6345485"/>
+            <a:off x="54289" y="6612662"/>
             <a:ext cx="6588087" cy="507831"/>
           </a:xfrm>
           <a:prstGeom prst="rect">
@@ -10629,7 +10450,7 @@
                 <a:latin typeface="Times New Roman" panose="02020603050405020304" pitchFamily="18" charset="0"/>
                 <a:cs typeface="Times New Roman" panose="02020603050405020304" pitchFamily="18" charset="0"/>
               </a:rPr>
-              <a:t>Figure 2 </a:t>
+              <a:t>Figure S1 </a:t>
             </a:r>
             <a:r>
               <a:rPr lang="en-US" sz="900" dirty="0">
@@ -10784,10 +10605,10 @@
         </p:nvGrpSpPr>
         <p:grpSpPr>
           <a:xfrm>
-            <a:off x="257178" y="522173"/>
-            <a:ext cx="2108579" cy="2666944"/>
-            <a:chOff x="3201493" y="5977957"/>
-            <a:chExt cx="3036138" cy="3840126"/>
+            <a:off x="260350" y="522174"/>
+            <a:ext cx="2101850" cy="2667116"/>
+            <a:chOff x="3206060" y="5977957"/>
+            <a:chExt cx="3026449" cy="3840373"/>
           </a:xfrm>
         </p:grpSpPr>
         <p:graphicFrame>
@@ -10805,25 +10626,25 @@
             <p:nvPr>
               <p:extLst>
                 <p:ext uri="{D42A27DB-BD31-4B8C-83A1-F6EECF244321}">
-                  <p14:modId xmlns:p14="http://schemas.microsoft.com/office/powerpoint/2010/main" val="2041545103"/>
+                  <p14:modId xmlns:p14="http://schemas.microsoft.com/office/powerpoint/2010/main" val="1326141863"/>
                 </p:ext>
               </p:extLst>
             </p:nvPr>
           </p:nvGraphicFramePr>
           <p:xfrm>
-            <a:off x="3201493" y="6047173"/>
-            <a:ext cx="3036138" cy="3770910"/>
+            <a:off x="3206060" y="6046698"/>
+            <a:ext cx="3026449" cy="3771632"/>
           </p:xfrm>
           <a:graphic>
             <a:graphicData uri="http://schemas.openxmlformats.org/presentationml/2006/ole">
               <mc:AlternateContent xmlns:mc="http://schemas.openxmlformats.org/markup-compatibility/2006">
                 <mc:Choice xmlns:v="urn:schemas-microsoft-com:vml" Requires="v">
-                  <p:oleObj name="Prism 9" r:id="rId2" imgW="2024683" imgH="2517117" progId="Prism9.Document">
+                  <p:oleObj name="Prism 9" r:id="rId2" imgW="2020001" imgH="2517117" progId="Prism9.Document">
                     <p:embed/>
                   </p:oleObj>
                 </mc:Choice>
                 <mc:Fallback>
-                  <p:oleObj name="Prism 9" r:id="rId2" imgW="2024683" imgH="2517117" progId="Prism9.Document">
+                  <p:oleObj name="Prism 9" r:id="rId2" imgW="2020001" imgH="2517117" progId="Prism9.Document">
                     <p:embed/>
                     <p:pic>
                       <p:nvPicPr>
@@ -10848,8 +10669,8 @@
                       </p:blipFill>
                       <p:spPr bwMode="auto">
                         <a:xfrm>
-                          <a:off x="3201493" y="6047173"/>
-                          <a:ext cx="3036138" cy="3770910"/>
+                          <a:off x="3206060" y="6046698"/>
+                          <a:ext cx="3026449" cy="3771632"/>
                         </a:xfrm>
                         <a:prstGeom prst="rect">
                           <a:avLst/>
@@ -11005,7 +10826,7 @@
                 <a:latin typeface="Times New Roman" panose="02020603050405020304" pitchFamily="18" charset="0"/>
                 <a:cs typeface="Times New Roman" panose="02020603050405020304" pitchFamily="18" charset="0"/>
               </a:rPr>
-              <a:t>Figure 2 </a:t>
+              <a:t>Figure S2 </a:t>
             </a:r>
             <a:r>
               <a:rPr lang="en-US" sz="900" dirty="0">
@@ -11094,7 +10915,7 @@
                 <a:latin typeface="Times New Roman" panose="02020603050405020304" pitchFamily="18" charset="0"/>
                 <a:cs typeface="Times New Roman" panose="02020603050405020304" pitchFamily="18" charset="0"/>
               </a:rPr>
-              <a:t>) Percent of patients who take a medicine divided to low and high BBBD groups. (P= 0.36, 0.63, 0.01,0.43, 0.39,0.2,0.87, 0.78, 0.78, 0.78).</a:t>
+              <a:t>) Percent of patients who take a medicine divided to low and high BBBD groups. (P=0.36, 0.63, 0.01,0.43, 0.39,0.2,0.87, 0.78, 0.78, 0.78).</a:t>
             </a:r>
             <a:endParaRPr lang="en-US" dirty="0"/>
           </a:p>
@@ -11115,7 +10936,7 @@
           <p:nvPr>
             <p:extLst>
               <p:ext uri="{D42A27DB-BD31-4B8C-83A1-F6EECF244321}">
-                <p14:modId xmlns:p14="http://schemas.microsoft.com/office/powerpoint/2010/main" val="1140088530"/>
+                <p14:modId xmlns:p14="http://schemas.microsoft.com/office/powerpoint/2010/main" val="2850638845"/>
               </p:ext>
             </p:extLst>
           </p:nvPr>
@@ -11419,6 +11240,243 @@
     <p:extLst>
       <p:ext uri="{BB962C8B-B14F-4D97-AF65-F5344CB8AC3E}">
         <p14:creationId xmlns:p14="http://schemas.microsoft.com/office/powerpoint/2010/main" val="207207928"/>
+      </p:ext>
+    </p:extLst>
+  </p:cSld>
+  <p:clrMapOvr>
+    <a:masterClrMapping/>
+  </p:clrMapOvr>
+</p:sld>
+</file>
+
+<file path=ppt/slides/slide6.xml><?xml version="1.0" encoding="utf-8"?>
+<p:sld xmlns:a="http://schemas.openxmlformats.org/drawingml/2006/main" xmlns:r="http://schemas.openxmlformats.org/officeDocument/2006/relationships" xmlns:p="http://schemas.openxmlformats.org/presentationml/2006/main">
+  <p:cSld>
+    <p:spTree>
+      <p:nvGrpSpPr>
+        <p:cNvPr id="1" name=""/>
+        <p:cNvGrpSpPr/>
+        <p:nvPr/>
+      </p:nvGrpSpPr>
+      <p:grpSpPr>
+        <a:xfrm>
+          <a:off x="0" y="0"/>
+          <a:ext cx="0" cy="0"/>
+          <a:chOff x="0" y="0"/>
+          <a:chExt cx="0" cy="0"/>
+        </a:xfrm>
+      </p:grpSpPr>
+      <p:graphicFrame>
+        <p:nvGraphicFramePr>
+          <p:cNvPr id="2" name="Object 1">
+            <a:extLst>
+              <a:ext uri="{FF2B5EF4-FFF2-40B4-BE49-F238E27FC236}">
+                <a16:creationId xmlns:a16="http://schemas.microsoft.com/office/drawing/2014/main" id="{E8BEC06B-B7EB-6F3B-3E08-BD93AA31501F}"/>
+              </a:ext>
+            </a:extLst>
+          </p:cNvPr>
+          <p:cNvGraphicFramePr>
+            <a:graphicFrameLocks noChangeAspect="1"/>
+          </p:cNvGraphicFramePr>
+          <p:nvPr>
+            <p:extLst>
+              <p:ext uri="{D42A27DB-BD31-4B8C-83A1-F6EECF244321}">
+                <p14:modId xmlns:p14="http://schemas.microsoft.com/office/powerpoint/2010/main" val="3399659695"/>
+              </p:ext>
+            </p:extLst>
+          </p:nvPr>
+        </p:nvGraphicFramePr>
+        <p:xfrm>
+          <a:off x="-12700" y="7383463"/>
+          <a:ext cx="2225675" cy="2146300"/>
+        </p:xfrm>
+        <a:graphic>
+          <a:graphicData uri="http://schemas.openxmlformats.org/presentationml/2006/ole">
+            <mc:AlternateContent xmlns:mc="http://schemas.openxmlformats.org/markup-compatibility/2006">
+              <mc:Choice xmlns:v="urn:schemas-microsoft-com:vml" Requires="v">
+                <p:oleObj name="Prism 9" r:id="rId2" imgW="2904495" imgH="2802359" progId="Prism9.Document">
+                  <p:embed/>
+                </p:oleObj>
+              </mc:Choice>
+              <mc:Fallback>
+                <p:oleObj name="Prism 9" r:id="rId2" imgW="2904495" imgH="2802359" progId="Prism9.Document">
+                  <p:embed/>
+                  <p:pic>
+                    <p:nvPicPr>
+                      <p:cNvPr id="2" name="Object 1">
+                        <a:extLst>
+                          <a:ext uri="{FF2B5EF4-FFF2-40B4-BE49-F238E27FC236}">
+                            <a16:creationId xmlns:a16="http://schemas.microsoft.com/office/drawing/2014/main" id="{716413E0-DA50-8A1A-808B-28951A3E78BE}"/>
+                          </a:ext>
+                        </a:extLst>
+                      </p:cNvPr>
+                      <p:cNvPicPr/>
+                      <p:nvPr/>
+                    </p:nvPicPr>
+                    <p:blipFill>
+                      <a:blip r:embed="rId3"/>
+                      <a:stretch>
+                        <a:fillRect/>
+                      </a:stretch>
+                    </p:blipFill>
+                    <p:spPr>
+                      <a:xfrm>
+                        <a:off x="-12700" y="7383463"/>
+                        <a:ext cx="2225675" cy="2146300"/>
+                      </a:xfrm>
+                      <a:prstGeom prst="rect">
+                        <a:avLst/>
+                      </a:prstGeom>
+                    </p:spPr>
+                  </p:pic>
+                </p:oleObj>
+              </mc:Fallback>
+            </mc:AlternateContent>
+          </a:graphicData>
+        </a:graphic>
+      </p:graphicFrame>
+      <p:graphicFrame>
+        <p:nvGraphicFramePr>
+          <p:cNvPr id="3" name="Object 2">
+            <a:extLst>
+              <a:ext uri="{FF2B5EF4-FFF2-40B4-BE49-F238E27FC236}">
+                <a16:creationId xmlns:a16="http://schemas.microsoft.com/office/drawing/2014/main" id="{C2B8EC2B-5A91-32F5-345F-B79CDF0A39A1}"/>
+              </a:ext>
+            </a:extLst>
+          </p:cNvPr>
+          <p:cNvGraphicFramePr>
+            <a:graphicFrameLocks noChangeAspect="1"/>
+          </p:cNvGraphicFramePr>
+          <p:nvPr>
+            <p:extLst>
+              <p:ext uri="{D42A27DB-BD31-4B8C-83A1-F6EECF244321}">
+                <p14:modId xmlns:p14="http://schemas.microsoft.com/office/powerpoint/2010/main" val="2689425746"/>
+              </p:ext>
+            </p:extLst>
+          </p:nvPr>
+        </p:nvGraphicFramePr>
+        <p:xfrm>
+          <a:off x="1790117" y="7383463"/>
+          <a:ext cx="1757363" cy="2049462"/>
+        </p:xfrm>
+        <a:graphic>
+          <a:graphicData uri="http://schemas.openxmlformats.org/presentationml/2006/ole">
+            <mc:AlternateContent xmlns:mc="http://schemas.openxmlformats.org/markup-compatibility/2006">
+              <mc:Choice xmlns:v="urn:schemas-microsoft-com:vml" Requires="v">
+                <p:oleObj name="Prism 9" r:id="rId4" imgW="2294425" imgH="2675945" progId="Prism9.Document">
+                  <p:embed/>
+                </p:oleObj>
+              </mc:Choice>
+              <mc:Fallback>
+                <p:oleObj name="Prism 9" r:id="rId4" imgW="2294425" imgH="2675945" progId="Prism9.Document">
+                  <p:embed/>
+                  <p:pic>
+                    <p:nvPicPr>
+                      <p:cNvPr id="11" name="Object 10">
+                        <a:extLst>
+                          <a:ext uri="{FF2B5EF4-FFF2-40B4-BE49-F238E27FC236}">
+                            <a16:creationId xmlns:a16="http://schemas.microsoft.com/office/drawing/2014/main" id="{037ED9F4-FE93-D47C-C82C-F55180B8D85E}"/>
+                          </a:ext>
+                        </a:extLst>
+                      </p:cNvPr>
+                      <p:cNvPicPr/>
+                      <p:nvPr/>
+                    </p:nvPicPr>
+                    <p:blipFill>
+                      <a:blip r:embed="rId5"/>
+                      <a:stretch>
+                        <a:fillRect/>
+                      </a:stretch>
+                    </p:blipFill>
+                    <p:spPr>
+                      <a:xfrm>
+                        <a:off x="1790117" y="7383463"/>
+                        <a:ext cx="1757363" cy="2049462"/>
+                      </a:xfrm>
+                      <a:prstGeom prst="rect">
+                        <a:avLst/>
+                      </a:prstGeom>
+                    </p:spPr>
+                  </p:pic>
+                </p:oleObj>
+              </mc:Fallback>
+            </mc:AlternateContent>
+          </a:graphicData>
+        </a:graphic>
+      </p:graphicFrame>
+      <p:graphicFrame>
+        <p:nvGraphicFramePr>
+          <p:cNvPr id="4" name="Object 3">
+            <a:extLst>
+              <a:ext uri="{FF2B5EF4-FFF2-40B4-BE49-F238E27FC236}">
+                <a16:creationId xmlns:a16="http://schemas.microsoft.com/office/drawing/2014/main" id="{09988BE1-955A-88E9-557C-4806D7820389}"/>
+              </a:ext>
+            </a:extLst>
+          </p:cNvPr>
+          <p:cNvGraphicFramePr>
+            <a:graphicFrameLocks noChangeAspect="1"/>
+          </p:cNvGraphicFramePr>
+          <p:nvPr>
+            <p:extLst>
+              <p:ext uri="{D42A27DB-BD31-4B8C-83A1-F6EECF244321}">
+                <p14:modId xmlns:p14="http://schemas.microsoft.com/office/powerpoint/2010/main" val="2903067069"/>
+              </p:ext>
+            </p:extLst>
+          </p:nvPr>
+        </p:nvGraphicFramePr>
+        <p:xfrm>
+          <a:off x="3278188" y="7240588"/>
+          <a:ext cx="3462337" cy="2266950"/>
+        </p:xfrm>
+        <a:graphic>
+          <a:graphicData uri="http://schemas.openxmlformats.org/presentationml/2006/ole">
+            <mc:AlternateContent xmlns:mc="http://schemas.openxmlformats.org/markup-compatibility/2006">
+              <mc:Choice xmlns:v="urn:schemas-microsoft-com:vml" Requires="v">
+                <p:oleObj name="Prism 9" r:id="rId6" imgW="4518983" imgH="2959386" progId="Prism9.Document">
+                  <p:embed/>
+                </p:oleObj>
+              </mc:Choice>
+              <mc:Fallback>
+                <p:oleObj name="Prism 9" r:id="rId6" imgW="4518983" imgH="2959386" progId="Prism9.Document">
+                  <p:embed/>
+                  <p:pic>
+                    <p:nvPicPr>
+                      <p:cNvPr id="14" name="Object 13">
+                        <a:extLst>
+                          <a:ext uri="{FF2B5EF4-FFF2-40B4-BE49-F238E27FC236}">
+                            <a16:creationId xmlns:a16="http://schemas.microsoft.com/office/drawing/2014/main" id="{68047562-445A-71A9-3606-030AB97B11D6}"/>
+                          </a:ext>
+                        </a:extLst>
+                      </p:cNvPr>
+                      <p:cNvPicPr/>
+                      <p:nvPr/>
+                    </p:nvPicPr>
+                    <p:blipFill>
+                      <a:blip r:embed="rId7"/>
+                      <a:stretch>
+                        <a:fillRect/>
+                      </a:stretch>
+                    </p:blipFill>
+                    <p:spPr>
+                      <a:xfrm>
+                        <a:off x="3278188" y="7240588"/>
+                        <a:ext cx="3462337" cy="2266950"/>
+                      </a:xfrm>
+                      <a:prstGeom prst="rect">
+                        <a:avLst/>
+                      </a:prstGeom>
+                    </p:spPr>
+                  </p:pic>
+                </p:oleObj>
+              </mc:Fallback>
+            </mc:AlternateContent>
+          </a:graphicData>
+        </a:graphic>
+      </p:graphicFrame>
+    </p:spTree>
+    <p:extLst>
+      <p:ext uri="{BB962C8B-B14F-4D97-AF65-F5344CB8AC3E}">
+        <p14:creationId xmlns:p14="http://schemas.microsoft.com/office/powerpoint/2010/main" val="1606400163"/>
       </p:ext>
     </p:extLst>
   </p:cSld>

--- a/Epilepsy-control figures slow nov 18 af.pptx
+++ b/Epilepsy-control figures slow nov 18 af.pptx
@@ -220,7 +220,7 @@
           <a:p>
             <a:fld id="{059E68AF-D436-45B7-9D7B-7D787C1C2BA6}" type="datetimeFigureOut">
               <a:rPr lang="en-US" smtClean="0"/>
-              <a:t>1/2/2024</a:t>
+              <a:t>1/11/2024</a:t>
             </a:fld>
             <a:endParaRPr lang="en-US"/>
           </a:p>
@@ -667,6 +667,12 @@
           <a:p>
             <a:r>
               <a:rPr lang="en-US" dirty="0"/>
+              <a:t>Fig 2</a:t>
+            </a:r>
+          </a:p>
+          <a:p>
+            <a:r>
+              <a:rPr lang="en-US" dirty="0"/>
               <a:t>Examples:</a:t>
             </a:r>
           </a:p>
@@ -826,6 +832,29 @@
             </a:pPr>
             <a:r>
               <a:rPr lang="en-US" dirty="0"/>
+              <a:t>Fig 3</a:t>
+            </a:r>
+          </a:p>
+          <a:p>
+            <a:pPr marL="0" marR="0" lvl="0" indent="0" algn="l" defTabSz="914400" rtl="0" eaLnBrk="1" fontAlgn="auto" latinLnBrk="0" hangingPunct="1">
+              <a:lnSpc>
+                <a:spcPct val="100000"/>
+              </a:lnSpc>
+              <a:spcBef>
+                <a:spcPts val="0"/>
+              </a:spcBef>
+              <a:spcAft>
+                <a:spcPts val="0"/>
+              </a:spcAft>
+              <a:buClrTx/>
+              <a:buSzTx/>
+              <a:buFontTx/>
+              <a:buNone/>
+              <a:tabLst/>
+              <a:defRPr/>
+            </a:pPr>
+            <a:r>
+              <a:rPr lang="en-US" dirty="0"/>
               <a:t>A - </a:t>
             </a:r>
             <a:r>
@@ -997,6 +1026,180 @@
     <p:extLst>
       <p:ext uri="{BB962C8B-B14F-4D97-AF65-F5344CB8AC3E}">
         <p14:creationId xmlns:p14="http://schemas.microsoft.com/office/powerpoint/2010/main" val="2751231952"/>
+      </p:ext>
+    </p:extLst>
+  </p:cSld>
+  <p:clrMapOvr>
+    <a:masterClrMapping/>
+  </p:clrMapOvr>
+</p:notes>
+</file>
+
+<file path=ppt/notesSlides/notesSlide4.xml><?xml version="1.0" encoding="utf-8"?>
+<p:notes xmlns:a="http://schemas.openxmlformats.org/drawingml/2006/main" xmlns:r="http://schemas.openxmlformats.org/officeDocument/2006/relationships" xmlns:p="http://schemas.openxmlformats.org/presentationml/2006/main">
+  <p:cSld>
+    <p:spTree>
+      <p:nvGrpSpPr>
+        <p:cNvPr id="1" name=""/>
+        <p:cNvGrpSpPr/>
+        <p:nvPr/>
+      </p:nvGrpSpPr>
+      <p:grpSpPr>
+        <a:xfrm>
+          <a:off x="0" y="0"/>
+          <a:ext cx="0" cy="0"/>
+          <a:chOff x="0" y="0"/>
+          <a:chExt cx="0" cy="0"/>
+        </a:xfrm>
+      </p:grpSpPr>
+      <p:sp>
+        <p:nvSpPr>
+          <p:cNvPr id="2" name="Slide Image Placeholder 1"/>
+          <p:cNvSpPr>
+            <a:spLocks noGrp="1" noRot="1" noChangeAspect="1"/>
+          </p:cNvSpPr>
+          <p:nvPr>
+            <p:ph type="sldImg"/>
+          </p:nvPr>
+        </p:nvSpPr>
+        <p:spPr/>
+      </p:sp>
+      <p:sp>
+        <p:nvSpPr>
+          <p:cNvPr id="3" name="Notes Placeholder 2"/>
+          <p:cNvSpPr>
+            <a:spLocks noGrp="1"/>
+          </p:cNvSpPr>
+          <p:nvPr>
+            <p:ph type="body" idx="1"/>
+          </p:nvPr>
+        </p:nvSpPr>
+        <p:spPr/>
+        <p:txBody>
+          <a:bodyPr/>
+          <a:lstStyle/>
+          <a:p>
+            <a:r>
+              <a:rPr lang="en-US" dirty="0"/>
+              <a:t>Fig 1S</a:t>
+            </a:r>
+          </a:p>
+        </p:txBody>
+      </p:sp>
+      <p:sp>
+        <p:nvSpPr>
+          <p:cNvPr id="4" name="Slide Number Placeholder 3"/>
+          <p:cNvSpPr>
+            <a:spLocks noGrp="1"/>
+          </p:cNvSpPr>
+          <p:nvPr>
+            <p:ph type="sldNum" sz="quarter" idx="5"/>
+          </p:nvPr>
+        </p:nvSpPr>
+        <p:spPr/>
+        <p:txBody>
+          <a:bodyPr/>
+          <a:lstStyle/>
+          <a:p>
+            <a:fld id="{CF3BFD83-FA20-419C-BB9A-676A13774AF2}" type="slidenum">
+              <a:rPr lang="en-US" smtClean="0"/>
+              <a:t>4</a:t>
+            </a:fld>
+            <a:endParaRPr lang="en-US"/>
+          </a:p>
+        </p:txBody>
+      </p:sp>
+    </p:spTree>
+    <p:extLst>
+      <p:ext uri="{BB962C8B-B14F-4D97-AF65-F5344CB8AC3E}">
+        <p14:creationId xmlns:p14="http://schemas.microsoft.com/office/powerpoint/2010/main" val="108484278"/>
+      </p:ext>
+    </p:extLst>
+  </p:cSld>
+  <p:clrMapOvr>
+    <a:masterClrMapping/>
+  </p:clrMapOvr>
+</p:notes>
+</file>
+
+<file path=ppt/notesSlides/notesSlide5.xml><?xml version="1.0" encoding="utf-8"?>
+<p:notes xmlns:a="http://schemas.openxmlformats.org/drawingml/2006/main" xmlns:r="http://schemas.openxmlformats.org/officeDocument/2006/relationships" xmlns:p="http://schemas.openxmlformats.org/presentationml/2006/main">
+  <p:cSld>
+    <p:spTree>
+      <p:nvGrpSpPr>
+        <p:cNvPr id="1" name=""/>
+        <p:cNvGrpSpPr/>
+        <p:nvPr/>
+      </p:nvGrpSpPr>
+      <p:grpSpPr>
+        <a:xfrm>
+          <a:off x="0" y="0"/>
+          <a:ext cx="0" cy="0"/>
+          <a:chOff x="0" y="0"/>
+          <a:chExt cx="0" cy="0"/>
+        </a:xfrm>
+      </p:grpSpPr>
+      <p:sp>
+        <p:nvSpPr>
+          <p:cNvPr id="2" name="Slide Image Placeholder 1"/>
+          <p:cNvSpPr>
+            <a:spLocks noGrp="1" noRot="1" noChangeAspect="1"/>
+          </p:cNvSpPr>
+          <p:nvPr>
+            <p:ph type="sldImg"/>
+          </p:nvPr>
+        </p:nvSpPr>
+        <p:spPr/>
+      </p:sp>
+      <p:sp>
+        <p:nvSpPr>
+          <p:cNvPr id="3" name="Notes Placeholder 2"/>
+          <p:cNvSpPr>
+            <a:spLocks noGrp="1"/>
+          </p:cNvSpPr>
+          <p:nvPr>
+            <p:ph type="body" idx="1"/>
+          </p:nvPr>
+        </p:nvSpPr>
+        <p:spPr/>
+        <p:txBody>
+          <a:bodyPr/>
+          <a:lstStyle/>
+          <a:p>
+            <a:r>
+              <a:rPr lang="en-US" dirty="0"/>
+              <a:t>Fig 2S</a:t>
+            </a:r>
+          </a:p>
+        </p:txBody>
+      </p:sp>
+      <p:sp>
+        <p:nvSpPr>
+          <p:cNvPr id="4" name="Slide Number Placeholder 3"/>
+          <p:cNvSpPr>
+            <a:spLocks noGrp="1"/>
+          </p:cNvSpPr>
+          <p:nvPr>
+            <p:ph type="sldNum" sz="quarter" idx="5"/>
+          </p:nvPr>
+        </p:nvSpPr>
+        <p:spPr/>
+        <p:txBody>
+          <a:bodyPr/>
+          <a:lstStyle/>
+          <a:p>
+            <a:fld id="{CF3BFD83-FA20-419C-BB9A-676A13774AF2}" type="slidenum">
+              <a:rPr lang="en-US" smtClean="0"/>
+              <a:t>5</a:t>
+            </a:fld>
+            <a:endParaRPr lang="en-US"/>
+          </a:p>
+        </p:txBody>
+      </p:sp>
+    </p:spTree>
+    <p:extLst>
+      <p:ext uri="{BB962C8B-B14F-4D97-AF65-F5344CB8AC3E}">
+        <p14:creationId xmlns:p14="http://schemas.microsoft.com/office/powerpoint/2010/main" val="785546932"/>
       </p:ext>
     </p:extLst>
   </p:cSld>
@@ -1137,7 +1340,7 @@
           <a:p>
             <a:fld id="{B1863CB9-A693-CA42-9056-EA714E1C6B92}" type="datetimeFigureOut">
               <a:rPr lang="en-IL" smtClean="0"/>
-              <a:t>01/02/2024</a:t>
+              <a:t>01/11/2024</a:t>
             </a:fld>
             <a:endParaRPr lang="en-IL"/>
           </a:p>
@@ -1307,7 +1510,7 @@
           <a:p>
             <a:fld id="{B1863CB9-A693-CA42-9056-EA714E1C6B92}" type="datetimeFigureOut">
               <a:rPr lang="en-IL" smtClean="0"/>
-              <a:t>01/02/2024</a:t>
+              <a:t>01/11/2024</a:t>
             </a:fld>
             <a:endParaRPr lang="en-IL"/>
           </a:p>
@@ -1487,7 +1690,7 @@
           <a:p>
             <a:fld id="{B1863CB9-A693-CA42-9056-EA714E1C6B92}" type="datetimeFigureOut">
               <a:rPr lang="en-IL" smtClean="0"/>
-              <a:t>01/02/2024</a:t>
+              <a:t>01/11/2024</a:t>
             </a:fld>
             <a:endParaRPr lang="en-IL"/>
           </a:p>
@@ -1657,7 +1860,7 @@
           <a:p>
             <a:fld id="{B1863CB9-A693-CA42-9056-EA714E1C6B92}" type="datetimeFigureOut">
               <a:rPr lang="en-IL" smtClean="0"/>
-              <a:t>01/02/2024</a:t>
+              <a:t>01/11/2024</a:t>
             </a:fld>
             <a:endParaRPr lang="en-IL"/>
           </a:p>
@@ -1901,7 +2104,7 @@
           <a:p>
             <a:fld id="{B1863CB9-A693-CA42-9056-EA714E1C6B92}" type="datetimeFigureOut">
               <a:rPr lang="en-IL" smtClean="0"/>
-              <a:t>01/02/2024</a:t>
+              <a:t>01/11/2024</a:t>
             </a:fld>
             <a:endParaRPr lang="en-IL"/>
           </a:p>
@@ -2133,7 +2336,7 @@
           <a:p>
             <a:fld id="{B1863CB9-A693-CA42-9056-EA714E1C6B92}" type="datetimeFigureOut">
               <a:rPr lang="en-IL" smtClean="0"/>
-              <a:t>01/02/2024</a:t>
+              <a:t>01/11/2024</a:t>
             </a:fld>
             <a:endParaRPr lang="en-IL"/>
           </a:p>
@@ -2500,7 +2703,7 @@
           <a:p>
             <a:fld id="{B1863CB9-A693-CA42-9056-EA714E1C6B92}" type="datetimeFigureOut">
               <a:rPr lang="en-IL" smtClean="0"/>
-              <a:t>01/02/2024</a:t>
+              <a:t>01/11/2024</a:t>
             </a:fld>
             <a:endParaRPr lang="en-IL"/>
           </a:p>
@@ -2618,7 +2821,7 @@
           <a:p>
             <a:fld id="{B1863CB9-A693-CA42-9056-EA714E1C6B92}" type="datetimeFigureOut">
               <a:rPr lang="en-IL" smtClean="0"/>
-              <a:t>01/02/2024</a:t>
+              <a:t>01/11/2024</a:t>
             </a:fld>
             <a:endParaRPr lang="en-IL"/>
           </a:p>
@@ -2713,7 +2916,7 @@
           <a:p>
             <a:fld id="{B1863CB9-A693-CA42-9056-EA714E1C6B92}" type="datetimeFigureOut">
               <a:rPr lang="en-IL" smtClean="0"/>
-              <a:t>01/02/2024</a:t>
+              <a:t>01/11/2024</a:t>
             </a:fld>
             <a:endParaRPr lang="en-IL"/>
           </a:p>
@@ -2990,7 +3193,7 @@
           <a:p>
             <a:fld id="{B1863CB9-A693-CA42-9056-EA714E1C6B92}" type="datetimeFigureOut">
               <a:rPr lang="en-IL" smtClean="0"/>
-              <a:t>01/02/2024</a:t>
+              <a:t>01/11/2024</a:t>
             </a:fld>
             <a:endParaRPr lang="en-IL"/>
           </a:p>
@@ -3247,7 +3450,7 @@
           <a:p>
             <a:fld id="{B1863CB9-A693-CA42-9056-EA714E1C6B92}" type="datetimeFigureOut">
               <a:rPr lang="en-IL" smtClean="0"/>
-              <a:t>01/02/2024</a:t>
+              <a:t>01/11/2024</a:t>
             </a:fld>
             <a:endParaRPr lang="en-IL"/>
           </a:p>
@@ -3460,7 +3663,7 @@
           <a:p>
             <a:fld id="{B1863CB9-A693-CA42-9056-EA714E1C6B92}" type="datetimeFigureOut">
               <a:rPr lang="en-IL" smtClean="0"/>
-              <a:t>01/02/2024</a:t>
+              <a:t>01/11/2024</a:t>
             </a:fld>
             <a:endParaRPr lang="en-IL"/>
           </a:p>
@@ -4048,188 +4251,6 @@
           </a:p>
         </p:txBody>
       </p:sp>
-      <p:sp>
-        <p:nvSpPr>
-          <p:cNvPr id="52" name="TextBox 51">
-            <a:extLst>
-              <a:ext uri="{FF2B5EF4-FFF2-40B4-BE49-F238E27FC236}">
-                <a16:creationId xmlns:a16="http://schemas.microsoft.com/office/drawing/2014/main" id="{1986680F-0C78-0470-BA7C-281595993523}"/>
-              </a:ext>
-            </a:extLst>
-          </p:cNvPr>
-          <p:cNvSpPr txBox="1"/>
-          <p:nvPr/>
-        </p:nvSpPr>
-        <p:spPr>
-          <a:xfrm>
-            <a:off x="1217103" y="5911098"/>
-            <a:ext cx="5074715" cy="784830"/>
-          </a:xfrm>
-          <a:prstGeom prst="rect">
-            <a:avLst/>
-          </a:prstGeom>
-          <a:noFill/>
-        </p:spPr>
-        <p:txBody>
-          <a:bodyPr wrap="square" rtlCol="0">
-            <a:spAutoFit/>
-          </a:bodyPr>
-          <a:lstStyle/>
-          <a:p>
-            <a:r>
-              <a:rPr lang="en-US" sz="900" dirty="0">
-                <a:solidFill>
-                  <a:srgbClr val="6666FF"/>
-                </a:solidFill>
-                <a:latin typeface="Times New Roman" panose="02020603050405020304" pitchFamily="18" charset="0"/>
-                <a:cs typeface="Times New Roman" panose="02020603050405020304" pitchFamily="18" charset="0"/>
-              </a:rPr>
-              <a:t>Figure 1 DCE-MRI reveals persistent BBBD in epileptic patients. </a:t>
-            </a:r>
-            <a:r>
-              <a:rPr lang="en-US" sz="900" dirty="0">
-                <a:latin typeface="Times New Roman" panose="02020603050405020304" pitchFamily="18" charset="0"/>
-                <a:cs typeface="Times New Roman" panose="02020603050405020304" pitchFamily="18" charset="0"/>
-              </a:rPr>
-              <a:t>.(</a:t>
-            </a:r>
-            <a:r>
-              <a:rPr lang="en-US" sz="900" b="1" dirty="0">
-                <a:latin typeface="Times New Roman" panose="02020603050405020304" pitchFamily="18" charset="0"/>
-                <a:cs typeface="Times New Roman" panose="02020603050405020304" pitchFamily="18" charset="0"/>
-              </a:rPr>
-              <a:t>A</a:t>
-            </a:r>
-            <a:r>
-              <a:rPr lang="en-US" sz="900" dirty="0">
-                <a:latin typeface="Times New Roman" panose="02020603050405020304" pitchFamily="18" charset="0"/>
-                <a:cs typeface="Times New Roman" panose="02020603050405020304" pitchFamily="18" charset="0"/>
-              </a:rPr>
-              <a:t>) Examples of patients BBBD analysis results. 1 – healthy control. 2 – Left temporal epilepsy. 3 – Left frontal epilepsy. 4- Generalized epilepsy. (</a:t>
-            </a:r>
-            <a:r>
-              <a:rPr lang="en-US" sz="900" b="1" dirty="0">
-                <a:latin typeface="Times New Roman" panose="02020603050405020304" pitchFamily="18" charset="0"/>
-                <a:cs typeface="Times New Roman" panose="02020603050405020304" pitchFamily="18" charset="0"/>
-              </a:rPr>
-              <a:t>B</a:t>
-            </a:r>
-            <a:r>
-              <a:rPr lang="en-US" sz="900" dirty="0">
-                <a:latin typeface="Times New Roman" panose="02020603050405020304" pitchFamily="18" charset="0"/>
-                <a:cs typeface="Times New Roman" panose="02020603050405020304" pitchFamily="18" charset="0"/>
-              </a:rPr>
-              <a:t>)</a:t>
-            </a:r>
-            <a:r>
-              <a:rPr lang="en-IL" sz="900" dirty="0">
-                <a:latin typeface="Times New Roman" panose="02020603050405020304" pitchFamily="18" charset="0"/>
-                <a:cs typeface="Times New Roman" panose="02020603050405020304" pitchFamily="18" charset="0"/>
-              </a:rPr>
-              <a:t> Examples </a:t>
-            </a:r>
-            <a:r>
-              <a:rPr lang="en-US" sz="900" dirty="0">
-                <a:latin typeface="Times New Roman" panose="02020603050405020304" pitchFamily="18" charset="0"/>
-                <a:cs typeface="Times New Roman" panose="02020603050405020304" pitchFamily="18" charset="0"/>
-              </a:rPr>
-              <a:t>of z-score 124 regions BBBD maps. Z-score between 0-2 is transparent. (</a:t>
-            </a:r>
-            <a:r>
-              <a:rPr lang="en-US" sz="900" b="1" dirty="0">
-                <a:latin typeface="Times New Roman" panose="02020603050405020304" pitchFamily="18" charset="0"/>
-                <a:cs typeface="Times New Roman" panose="02020603050405020304" pitchFamily="18" charset="0"/>
-              </a:rPr>
-              <a:t>C</a:t>
-            </a:r>
-            <a:r>
-              <a:rPr lang="en-US" sz="900" dirty="0">
-                <a:latin typeface="Times New Roman" panose="02020603050405020304" pitchFamily="18" charset="0"/>
-                <a:cs typeface="Times New Roman" panose="02020603050405020304" pitchFamily="18" charset="0"/>
-              </a:rPr>
-              <a:t>). Statistics of BBB% between controls and patients with epilepsy. (</a:t>
-            </a:r>
-            <a:r>
-              <a:rPr lang="en-US" sz="900" b="1" dirty="0">
-                <a:latin typeface="Times New Roman" panose="02020603050405020304" pitchFamily="18" charset="0"/>
-                <a:cs typeface="Times New Roman" panose="02020603050405020304" pitchFamily="18" charset="0"/>
-              </a:rPr>
-              <a:t>D</a:t>
-            </a:r>
-            <a:r>
-              <a:rPr lang="en-US" sz="900" dirty="0">
-                <a:latin typeface="Times New Roman" panose="02020603050405020304" pitchFamily="18" charset="0"/>
-                <a:cs typeface="Times New Roman" panose="02020603050405020304" pitchFamily="18" charset="0"/>
-              </a:rPr>
-              <a:t>) Statistics of Percent of regions with BBBD between controls and patients with epilepsy.</a:t>
-            </a:r>
-            <a:endParaRPr lang="en-US" dirty="0"/>
-          </a:p>
-        </p:txBody>
-      </p:sp>
-      <p:sp>
-        <p:nvSpPr>
-          <p:cNvPr id="44" name="TextBox 43">
-            <a:extLst>
-              <a:ext uri="{FF2B5EF4-FFF2-40B4-BE49-F238E27FC236}">
-                <a16:creationId xmlns:a16="http://schemas.microsoft.com/office/drawing/2014/main" id="{A5A4284A-5418-FFC1-0F6C-C6DE43EEA962}"/>
-              </a:ext>
-            </a:extLst>
-          </p:cNvPr>
-          <p:cNvSpPr txBox="1"/>
-          <p:nvPr/>
-        </p:nvSpPr>
-        <p:spPr>
-          <a:xfrm>
-            <a:off x="4339362" y="10644"/>
-            <a:ext cx="2518638" cy="307777"/>
-          </a:xfrm>
-          <a:prstGeom prst="rect">
-            <a:avLst/>
-          </a:prstGeom>
-          <a:noFill/>
-        </p:spPr>
-        <p:txBody>
-          <a:bodyPr wrap="none" rtlCol="0">
-            <a:spAutoFit/>
-          </a:bodyPr>
-          <a:lstStyle/>
-          <a:p>
-            <a:r>
-              <a:rPr lang="en-IL" sz="1400" dirty="0">
-                <a:latin typeface="Times New Roman" panose="02020603050405020304" pitchFamily="18" charset="0"/>
-                <a:cs typeface="Times New Roman" panose="02020603050405020304" pitchFamily="18" charset="0"/>
-              </a:rPr>
-              <a:t>FIGURE </a:t>
-            </a:r>
-            <a:r>
-              <a:rPr lang="en-US" sz="1400" dirty="0">
-                <a:latin typeface="Times New Roman" panose="02020603050405020304" pitchFamily="18" charset="0"/>
-                <a:cs typeface="Times New Roman" panose="02020603050405020304" pitchFamily="18" charset="0"/>
-              </a:rPr>
-              <a:t>1</a:t>
-            </a:r>
-            <a:r>
-              <a:rPr lang="en-IL" sz="1400" dirty="0">
-                <a:latin typeface="Times New Roman" panose="02020603050405020304" pitchFamily="18" charset="0"/>
-                <a:cs typeface="Times New Roman" panose="02020603050405020304" pitchFamily="18" charset="0"/>
-              </a:rPr>
-              <a:t>: </a:t>
-            </a:r>
-            <a:r>
-              <a:rPr lang="en-US" sz="1400" dirty="0">
-                <a:latin typeface="Times New Roman" panose="02020603050405020304" pitchFamily="18" charset="0"/>
-                <a:cs typeface="Times New Roman" panose="02020603050405020304" pitchFamily="18" charset="0"/>
-              </a:rPr>
-              <a:t>Epilepsy vs controls</a:t>
-            </a:r>
-            <a:endParaRPr lang="en-IL" sz="1400" dirty="0">
-              <a:latin typeface="Times New Roman" panose="02020603050405020304" pitchFamily="18" charset="0"/>
-              <a:cs typeface="Times New Roman" panose="02020603050405020304" pitchFamily="18" charset="0"/>
-            </a:endParaRPr>
-          </a:p>
-        </p:txBody>
-      </p:sp>
       <p:pic>
         <p:nvPicPr>
           <p:cNvPr id="20" name="Picture 19">
@@ -4464,7 +4485,7 @@
           <p:nvPr>
             <p:extLst>
               <p:ext uri="{D42A27DB-BD31-4B8C-83A1-F6EECF244321}">
-                <p14:modId xmlns:p14="http://schemas.microsoft.com/office/powerpoint/2010/main" val="1943404324"/>
+                <p14:modId xmlns:p14="http://schemas.microsoft.com/office/powerpoint/2010/main" val="701976921"/>
               </p:ext>
             </p:extLst>
           </p:nvPr>
@@ -4537,7 +4558,7 @@
           <p:nvPr>
             <p:extLst>
               <p:ext uri="{D42A27DB-BD31-4B8C-83A1-F6EECF244321}">
-                <p14:modId xmlns:p14="http://schemas.microsoft.com/office/powerpoint/2010/main" val="4120000422"/>
+                <p14:modId xmlns:p14="http://schemas.microsoft.com/office/powerpoint/2010/main" val="1274948290"/>
               </p:ext>
             </p:extLst>
           </p:nvPr>
@@ -5296,45 +5317,6 @@
       </p:sp>
       <p:sp>
         <p:nvSpPr>
-          <p:cNvPr id="2" name="TextBox 1">
-            <a:extLst>
-              <a:ext uri="{FF2B5EF4-FFF2-40B4-BE49-F238E27FC236}">
-                <a16:creationId xmlns:a16="http://schemas.microsoft.com/office/drawing/2014/main" id="{BF521175-BE0E-D63F-0612-4EEEA0122A1D}"/>
-              </a:ext>
-            </a:extLst>
-          </p:cNvPr>
-          <p:cNvSpPr txBox="1"/>
-          <p:nvPr/>
-        </p:nvSpPr>
-        <p:spPr>
-          <a:xfrm>
-            <a:off x="4522104" y="11481"/>
-            <a:ext cx="2335896" cy="307777"/>
-          </a:xfrm>
-          <a:prstGeom prst="rect">
-            <a:avLst/>
-          </a:prstGeom>
-          <a:noFill/>
-        </p:spPr>
-        <p:txBody>
-          <a:bodyPr wrap="none" rtlCol="0">
-            <a:spAutoFit/>
-          </a:bodyPr>
-          <a:lstStyle/>
-          <a:p>
-            <a:pPr algn="r"/>
-            <a:r>
-              <a:rPr lang="en-IL" sz="1400" dirty="0">
-                <a:latin typeface="Times New Roman" panose="02020603050405020304" pitchFamily="18" charset="0"/>
-                <a:cs typeface="+mj-cs"/>
-              </a:rPr>
-              <a:t>FIGURE 2: Regional analysis</a:t>
-            </a:r>
-          </a:p>
-        </p:txBody>
-      </p:sp>
-      <p:sp>
-        <p:nvSpPr>
           <p:cNvPr id="47" name="TextBox 46">
             <a:extLst>
               <a:ext uri="{FF2B5EF4-FFF2-40B4-BE49-F238E27FC236}">
@@ -5370,198 +5352,6 @@
             </a:r>
             <a:endParaRPr lang="en-IL" sz="1100" b="1" dirty="0">
               <a:latin typeface="Times New Roman" panose="02020603050405020304" pitchFamily="18" charset="0"/>
-              <a:cs typeface="+mj-cs"/>
-            </a:endParaRPr>
-          </a:p>
-        </p:txBody>
-      </p:sp>
-      <p:sp>
-        <p:nvSpPr>
-          <p:cNvPr id="38" name="TextBox 37">
-            <a:extLst>
-              <a:ext uri="{FF2B5EF4-FFF2-40B4-BE49-F238E27FC236}">
-                <a16:creationId xmlns:a16="http://schemas.microsoft.com/office/drawing/2014/main" id="{23BC7671-26ED-F3D1-DE1F-F3563BF3E068}"/>
-              </a:ext>
-            </a:extLst>
-          </p:cNvPr>
-          <p:cNvSpPr txBox="1"/>
-          <p:nvPr/>
-        </p:nvSpPr>
-        <p:spPr>
-          <a:xfrm>
-            <a:off x="154921" y="6963219"/>
-            <a:ext cx="6588087" cy="923330"/>
-          </a:xfrm>
-          <a:prstGeom prst="rect">
-            <a:avLst/>
-          </a:prstGeom>
-          <a:noFill/>
-        </p:spPr>
-        <p:txBody>
-          <a:bodyPr wrap="square" rtlCol="0">
-            <a:spAutoFit/>
-          </a:bodyPr>
-          <a:lstStyle/>
-          <a:p>
-            <a:r>
-              <a:rPr lang="en-US" sz="900" dirty="0">
-                <a:solidFill>
-                  <a:srgbClr val="6666FF"/>
-                </a:solidFill>
-                <a:latin typeface="Times New Roman" panose="02020603050405020304" pitchFamily="18" charset="0"/>
-                <a:cs typeface="+mj-cs"/>
-              </a:rPr>
-              <a:t>Figure 2 </a:t>
-            </a:r>
-            <a:r>
-              <a:rPr lang="en-US" sz="900" dirty="0">
-                <a:solidFill>
-                  <a:schemeClr val="accent1">
-                    <a:lumMod val="75000"/>
-                  </a:schemeClr>
-                </a:solidFill>
-                <a:latin typeface="Times New Roman" panose="02020603050405020304" pitchFamily="18" charset="0"/>
-                <a:cs typeface="+mj-cs"/>
-              </a:rPr>
-              <a:t>. </a:t>
-            </a:r>
-            <a:r>
-              <a:rPr lang="en-US" sz="900" dirty="0">
-                <a:latin typeface="Times New Roman" panose="02020603050405020304" pitchFamily="18" charset="0"/>
-                <a:cs typeface="+mj-cs"/>
-              </a:rPr>
-              <a:t>(</a:t>
-            </a:r>
-            <a:r>
-              <a:rPr lang="en-US" sz="900" b="1" dirty="0">
-                <a:latin typeface="Times New Roman" panose="02020603050405020304" pitchFamily="18" charset="0"/>
-                <a:cs typeface="+mj-cs"/>
-              </a:rPr>
-              <a:t>A</a:t>
-            </a:r>
-            <a:r>
-              <a:rPr lang="en-US" sz="900" dirty="0">
-                <a:latin typeface="Times New Roman" panose="02020603050405020304" pitchFamily="18" charset="0"/>
-                <a:cs typeface="+mj-cs"/>
-              </a:rPr>
-              <a:t>)</a:t>
-            </a:r>
-            <a:r>
-              <a:rPr lang="en-IL" sz="900" dirty="0">
-                <a:latin typeface="Times New Roman" panose="02020603050405020304" pitchFamily="18" charset="0"/>
-                <a:cs typeface="+mj-cs"/>
-              </a:rPr>
-              <a:t> </a:t>
-            </a:r>
-            <a:r>
-              <a:rPr lang="en-US" sz="900" dirty="0">
-                <a:latin typeface="Times New Roman" panose="02020603050405020304" pitchFamily="18" charset="0"/>
-                <a:cs typeface="+mj-cs"/>
-              </a:rPr>
-              <a:t>Averaged z-score above controls in regional maps of 126 areas. (</a:t>
-            </a:r>
-            <a:r>
-              <a:rPr lang="en-US" sz="900" b="1" dirty="0">
-                <a:latin typeface="Times New Roman" panose="02020603050405020304" pitchFamily="18" charset="0"/>
-                <a:cs typeface="+mj-cs"/>
-              </a:rPr>
-              <a:t>B</a:t>
-            </a:r>
-            <a:r>
-              <a:rPr lang="en-US" sz="900" dirty="0">
-                <a:latin typeface="Times New Roman" panose="02020603050405020304" pitchFamily="18" charset="0"/>
-                <a:cs typeface="+mj-cs"/>
-              </a:rPr>
-              <a:t>) Significant regions of patients with epilepsy compared to controls p&lt;0.001. (</a:t>
-            </a:r>
-            <a:r>
-              <a:rPr lang="en-US" sz="900" b="1" dirty="0">
-                <a:latin typeface="Times New Roman" panose="02020603050405020304" pitchFamily="18" charset="0"/>
-                <a:cs typeface="+mj-cs"/>
-              </a:rPr>
-              <a:t>C</a:t>
-            </a:r>
-            <a:r>
-              <a:rPr lang="en-US" sz="900" dirty="0">
-                <a:latin typeface="Times New Roman" panose="02020603050405020304" pitchFamily="18" charset="0"/>
-                <a:cs typeface="+mj-cs"/>
-              </a:rPr>
-              <a:t>) 1. Example of patient with generalized epilepsy. Color bar same as fig.1. 2. Average z-score above controls in regional maps of generalized epilepsy  </a:t>
-            </a:r>
-            <a:r>
-              <a:rPr lang="en-US" sz="900" b="1" dirty="0">
-                <a:latin typeface="Times New Roman" panose="02020603050405020304" pitchFamily="18" charset="0"/>
-                <a:cs typeface="+mj-cs"/>
-              </a:rPr>
-              <a:t>(D)</a:t>
-            </a:r>
-            <a:r>
-              <a:rPr lang="en-US" sz="900" dirty="0">
-                <a:latin typeface="Times New Roman" panose="02020603050405020304" pitchFamily="18" charset="0"/>
-                <a:cs typeface="+mj-cs"/>
-              </a:rPr>
-              <a:t> 1. Example of patient with suspected temporal epilepsy. Color bar same as fig.1 2. Average z-score above controls in regional maps of suspected temporal epilepsy (</a:t>
-            </a:r>
-            <a:r>
-              <a:rPr lang="en-US" sz="900" b="1" dirty="0">
-                <a:latin typeface="Times New Roman" panose="02020603050405020304" pitchFamily="18" charset="0"/>
-                <a:cs typeface="+mj-cs"/>
-              </a:rPr>
-              <a:t>E</a:t>
-            </a:r>
-            <a:r>
-              <a:rPr lang="en-US" sz="900" dirty="0">
-                <a:latin typeface="Times New Roman" panose="02020603050405020304" pitchFamily="18" charset="0"/>
-                <a:cs typeface="+mj-cs"/>
-              </a:rPr>
-              <a:t>) Averaged z-score per region of patients with epilepsy compared to controls (</a:t>
-            </a:r>
-            <a:r>
-              <a:rPr lang="en-US" sz="900" b="1" dirty="0">
-                <a:latin typeface="Times New Roman" panose="02020603050405020304" pitchFamily="18" charset="0"/>
-                <a:cs typeface="+mj-cs"/>
-              </a:rPr>
-              <a:t>F</a:t>
-            </a:r>
-            <a:r>
-              <a:rPr lang="en-US" sz="900" dirty="0">
-                <a:latin typeface="Times New Roman" panose="02020603050405020304" pitchFamily="18" charset="0"/>
-                <a:cs typeface="+mj-cs"/>
-              </a:rPr>
-              <a:t>) Averaged z-score of generalized and focal epilepsy per region. Exact values are provided in </a:t>
-            </a:r>
-            <a:r>
-              <a:rPr lang="en-US" sz="900" dirty="0">
-                <a:highlight>
-                  <a:srgbClr val="FFFF00"/>
-                </a:highlight>
-                <a:latin typeface="Times New Roman" panose="02020603050405020304" pitchFamily="18" charset="0"/>
-                <a:cs typeface="+mj-cs"/>
-              </a:rPr>
-              <a:t>table S1</a:t>
-            </a:r>
-            <a:r>
-              <a:rPr lang="en-US" sz="900" dirty="0">
-                <a:latin typeface="Times New Roman" panose="02020603050405020304" pitchFamily="18" charset="0"/>
-                <a:cs typeface="+mj-cs"/>
-              </a:rPr>
-              <a:t>(</a:t>
-            </a:r>
-            <a:r>
-              <a:rPr lang="en-US" sz="900" b="1" dirty="0">
-                <a:latin typeface="Times New Roman" panose="02020603050405020304" pitchFamily="18" charset="0"/>
-                <a:cs typeface="+mj-cs"/>
-              </a:rPr>
-              <a:t>G</a:t>
-            </a:r>
-            <a:r>
-              <a:rPr lang="en-US" sz="900" dirty="0">
-                <a:latin typeface="Times New Roman" panose="02020603050405020304" pitchFamily="18" charset="0"/>
-                <a:cs typeface="+mj-cs"/>
-              </a:rPr>
-              <a:t>) Percent of patients with averaged z-score &gt;2 from controls.</a:t>
-            </a:r>
-            <a:endParaRPr lang="en-US" dirty="0">
               <a:cs typeface="+mj-cs"/>
             </a:endParaRPr>
           </a:p>
@@ -7745,7 +7535,7 @@
           <p:nvPr>
             <p:extLst>
               <p:ext uri="{D42A27DB-BD31-4B8C-83A1-F6EECF244321}">
-                <p14:modId xmlns:p14="http://schemas.microsoft.com/office/powerpoint/2010/main" val="1104136208"/>
+                <p14:modId xmlns:p14="http://schemas.microsoft.com/office/powerpoint/2010/main" val="874715476"/>
               </p:ext>
             </p:extLst>
           </p:nvPr>
@@ -7818,7 +7608,7 @@
           <p:nvPr>
             <p:extLst>
               <p:ext uri="{D42A27DB-BD31-4B8C-83A1-F6EECF244321}">
-                <p14:modId xmlns:p14="http://schemas.microsoft.com/office/powerpoint/2010/main" val="1395399363"/>
+                <p14:modId xmlns:p14="http://schemas.microsoft.com/office/powerpoint/2010/main" val="419792223"/>
               </p:ext>
             </p:extLst>
           </p:nvPr>
@@ -7891,7 +7681,7 @@
           <p:nvPr>
             <p:extLst>
               <p:ext uri="{D42A27DB-BD31-4B8C-83A1-F6EECF244321}">
-                <p14:modId xmlns:p14="http://schemas.microsoft.com/office/powerpoint/2010/main" val="584036327"/>
+                <p14:modId xmlns:p14="http://schemas.microsoft.com/office/powerpoint/2010/main" val="3593724246"/>
               </p:ext>
             </p:extLst>
           </p:nvPr>
@@ -7979,55 +7769,6 @@
           <a:chExt cx="0" cy="0"/>
         </a:xfrm>
       </p:grpSpPr>
-      <p:sp>
-        <p:nvSpPr>
-          <p:cNvPr id="10" name="TextBox 9">
-            <a:extLst>
-              <a:ext uri="{FF2B5EF4-FFF2-40B4-BE49-F238E27FC236}">
-                <a16:creationId xmlns:a16="http://schemas.microsoft.com/office/drawing/2014/main" id="{9598C9A0-4C90-060E-7683-00601E25CEB8}"/>
-              </a:ext>
-            </a:extLst>
-          </p:cNvPr>
-          <p:cNvSpPr txBox="1"/>
-          <p:nvPr/>
-        </p:nvSpPr>
-        <p:spPr>
-          <a:xfrm>
-            <a:off x="4406565" y="2690"/>
-            <a:ext cx="2390398" cy="307777"/>
-          </a:xfrm>
-          <a:prstGeom prst="rect">
-            <a:avLst/>
-          </a:prstGeom>
-          <a:noFill/>
-        </p:spPr>
-        <p:txBody>
-          <a:bodyPr wrap="none" rtlCol="0">
-            <a:spAutoFit/>
-          </a:bodyPr>
-          <a:lstStyle/>
-          <a:p>
-            <a:r>
-              <a:rPr lang="en-IL" sz="1400" dirty="0">
-                <a:latin typeface="Times New Roman" panose="02020603050405020304" pitchFamily="18" charset="0"/>
-                <a:cs typeface="Times New Roman" panose="02020603050405020304" pitchFamily="18" charset="0"/>
-              </a:rPr>
-              <a:t>FIGURE </a:t>
-            </a:r>
-            <a:r>
-              <a:rPr lang="en-US" sz="1400" dirty="0">
-                <a:latin typeface="Times New Roman" panose="02020603050405020304" pitchFamily="18" charset="0"/>
-                <a:cs typeface="Times New Roman" panose="02020603050405020304" pitchFamily="18" charset="0"/>
-              </a:rPr>
-              <a:t>3: Lesion and BBBD</a:t>
-            </a:r>
-            <a:endParaRPr lang="en-IL" sz="1400" dirty="0">
-              <a:latin typeface="Times New Roman" panose="02020603050405020304" pitchFamily="18" charset="0"/>
-              <a:cs typeface="Times New Roman" panose="02020603050405020304" pitchFamily="18" charset="0"/>
-            </a:endParaRPr>
-          </a:p>
-        </p:txBody>
-      </p:sp>
       <p:grpSp>
         <p:nvGrpSpPr>
           <p:cNvPr id="17" name="Group 16">
@@ -8313,250 +8054,6 @@
           </p:txBody>
         </p:sp>
       </p:grpSp>
-      <p:sp>
-        <p:nvSpPr>
-          <p:cNvPr id="12" name="TextBox 11">
-            <a:extLst>
-              <a:ext uri="{FF2B5EF4-FFF2-40B4-BE49-F238E27FC236}">
-                <a16:creationId xmlns:a16="http://schemas.microsoft.com/office/drawing/2014/main" id="{CA2FAB28-DBA1-9052-9E1F-09B00795A8C1}"/>
-              </a:ext>
-            </a:extLst>
-          </p:cNvPr>
-          <p:cNvSpPr txBox="1"/>
-          <p:nvPr/>
-        </p:nvSpPr>
-        <p:spPr>
-          <a:xfrm>
-            <a:off x="61931" y="6181321"/>
-            <a:ext cx="6588087" cy="1107996"/>
-          </a:xfrm>
-          <a:prstGeom prst="rect">
-            <a:avLst/>
-          </a:prstGeom>
-          <a:noFill/>
-        </p:spPr>
-        <p:txBody>
-          <a:bodyPr wrap="square" rtlCol="0">
-            <a:spAutoFit/>
-          </a:bodyPr>
-          <a:lstStyle/>
-          <a:p>
-            <a:r>
-              <a:rPr lang="en-US" sz="1100" dirty="0">
-                <a:solidFill>
-                  <a:srgbClr val="6666FF"/>
-                </a:solidFill>
-                <a:latin typeface="Times New Roman" panose="02020603050405020304" pitchFamily="18" charset="0"/>
-                <a:cs typeface="Times New Roman" panose="02020603050405020304" pitchFamily="18" charset="0"/>
-              </a:rPr>
-              <a:t>Figure 3 </a:t>
-            </a:r>
-            <a:r>
-              <a:rPr lang="en-US" sz="1100" dirty="0">
-                <a:solidFill>
-                  <a:schemeClr val="accent1">
-                    <a:lumMod val="75000"/>
-                  </a:schemeClr>
-                </a:solidFill>
-                <a:latin typeface="Times New Roman" panose="02020603050405020304" pitchFamily="18" charset="0"/>
-                <a:cs typeface="Times New Roman" panose="02020603050405020304" pitchFamily="18" charset="0"/>
-              </a:rPr>
-              <a:t>. </a:t>
-            </a:r>
-            <a:r>
-              <a:rPr lang="en-US" sz="1100" b="1" dirty="0">
-                <a:latin typeface="Times New Roman" panose="02020603050405020304" pitchFamily="18" charset="0"/>
-                <a:cs typeface="Times New Roman" panose="02020603050405020304" pitchFamily="18" charset="0"/>
-              </a:rPr>
-              <a:t>BBBD in patients with a “lesional MRI”: A</a:t>
-            </a:r>
-            <a:r>
-              <a:rPr lang="en-US" sz="1100" dirty="0">
-                <a:latin typeface="Times New Roman" panose="02020603050405020304" pitchFamily="18" charset="0"/>
-                <a:cs typeface="Times New Roman" panose="02020603050405020304" pitchFamily="18" charset="0"/>
-              </a:rPr>
-              <a:t>: 35 </a:t>
-            </a:r>
-            <a:r>
-              <a:rPr lang="en-US" sz="1100" dirty="0" err="1">
-                <a:latin typeface="Times New Roman" panose="02020603050405020304" pitchFamily="18" charset="0"/>
-                <a:cs typeface="Times New Roman" panose="02020603050405020304" pitchFamily="18" charset="0"/>
-              </a:rPr>
-              <a:t>yo</a:t>
-            </a:r>
-            <a:r>
-              <a:rPr lang="en-US" sz="1100" dirty="0">
-                <a:latin typeface="Times New Roman" panose="02020603050405020304" pitchFamily="18" charset="0"/>
-                <a:cs typeface="Times New Roman" panose="02020603050405020304" pitchFamily="18" charset="0"/>
-              </a:rPr>
-              <a:t> male with left hippocampal sclerosis. </a:t>
-            </a:r>
-            <a:r>
-              <a:rPr lang="en-US" sz="1100" b="1" dirty="0">
-                <a:latin typeface="Times New Roman" panose="02020603050405020304" pitchFamily="18" charset="0"/>
-                <a:cs typeface="Times New Roman" panose="02020603050405020304" pitchFamily="18" charset="0"/>
-              </a:rPr>
-              <a:t>B</a:t>
-            </a:r>
-            <a:r>
-              <a:rPr lang="en-US" sz="1100" dirty="0">
-                <a:latin typeface="Times New Roman" panose="02020603050405020304" pitchFamily="18" charset="0"/>
-                <a:cs typeface="Times New Roman" panose="02020603050405020304" pitchFamily="18" charset="0"/>
-              </a:rPr>
-              <a:t>: 33</a:t>
-            </a:r>
-            <a:r>
-              <a:rPr lang="he-IL" sz="1100" dirty="0">
-                <a:latin typeface="Times New Roman" panose="02020603050405020304" pitchFamily="18" charset="0"/>
-                <a:cs typeface="Times New Roman" panose="02020603050405020304" pitchFamily="18" charset="0"/>
-              </a:rPr>
-              <a:t> </a:t>
-            </a:r>
-            <a:r>
-              <a:rPr lang="en-US" sz="1100" dirty="0" err="1">
-                <a:latin typeface="Times New Roman" panose="02020603050405020304" pitchFamily="18" charset="0"/>
-                <a:cs typeface="Times New Roman" panose="02020603050405020304" pitchFamily="18" charset="0"/>
-              </a:rPr>
-              <a:t>yo</a:t>
-            </a:r>
-            <a:r>
-              <a:rPr lang="en-US" sz="1100" dirty="0">
-                <a:latin typeface="Times New Roman" panose="02020603050405020304" pitchFamily="18" charset="0"/>
-                <a:cs typeface="Times New Roman" panose="02020603050405020304" pitchFamily="18" charset="0"/>
-              </a:rPr>
-              <a:t> man</a:t>
-            </a:r>
-            <a:r>
-              <a:rPr lang="he-IL" sz="1100" dirty="0">
-                <a:latin typeface="Times New Roman" panose="02020603050405020304" pitchFamily="18" charset="0"/>
-                <a:cs typeface="Times New Roman" panose="02020603050405020304" pitchFamily="18" charset="0"/>
-              </a:rPr>
-              <a:t> </a:t>
-            </a:r>
-            <a:r>
-              <a:rPr lang="en-US" sz="1100" dirty="0">
-                <a:latin typeface="Times New Roman" panose="02020603050405020304" pitchFamily="18" charset="0"/>
-                <a:cs typeface="Times New Roman" panose="02020603050405020304" pitchFamily="18" charset="0"/>
-              </a:rPr>
-              <a:t>with left frontal cortical dysplasia. </a:t>
-            </a:r>
-            <a:r>
-              <a:rPr lang="en-US" sz="1100" b="1" dirty="0">
-                <a:latin typeface="Times New Roman" panose="02020603050405020304" pitchFamily="18" charset="0"/>
-                <a:cs typeface="Times New Roman" panose="02020603050405020304" pitchFamily="18" charset="0"/>
-              </a:rPr>
-              <a:t>C</a:t>
-            </a:r>
-            <a:r>
-              <a:rPr lang="en-US" sz="1100" dirty="0">
-                <a:latin typeface="Times New Roman" panose="02020603050405020304" pitchFamily="18" charset="0"/>
-                <a:cs typeface="Times New Roman" panose="02020603050405020304" pitchFamily="18" charset="0"/>
-              </a:rPr>
-              <a:t>: 20 </a:t>
-            </a:r>
-            <a:r>
-              <a:rPr lang="en-US" sz="1100" dirty="0" err="1">
-                <a:latin typeface="Times New Roman" panose="02020603050405020304" pitchFamily="18" charset="0"/>
-                <a:cs typeface="Times New Roman" panose="02020603050405020304" pitchFamily="18" charset="0"/>
-              </a:rPr>
-              <a:t>yo</a:t>
-            </a:r>
-            <a:r>
-              <a:rPr lang="en-US" sz="1100" dirty="0">
-                <a:latin typeface="Times New Roman" panose="02020603050405020304" pitchFamily="18" charset="0"/>
-                <a:cs typeface="Times New Roman" panose="02020603050405020304" pitchFamily="18" charset="0"/>
-              </a:rPr>
-              <a:t> female with </a:t>
-            </a:r>
-            <a:r>
-              <a:rPr lang="en-US" sz="1100" b="0" i="0" dirty="0">
-                <a:solidFill>
-                  <a:srgbClr val="000000"/>
-                </a:solidFill>
-                <a:effectLst/>
-                <a:latin typeface="Times New Roman" panose="02020603050405020304" pitchFamily="18" charset="0"/>
-                <a:cs typeface="Times New Roman" panose="02020603050405020304" pitchFamily="18" charset="0"/>
-              </a:rPr>
-              <a:t>right occipital cavernoma. Upper row: representative anatomical images showing the lesion (red circle). Lower row: regional analysis of BBB leakage.</a:t>
-            </a:r>
-            <a:r>
-              <a:rPr lang="en-US" sz="1100" dirty="0">
-                <a:solidFill>
-                  <a:srgbClr val="000000"/>
-                </a:solidFill>
-                <a:latin typeface="Times New Roman" panose="02020603050405020304" pitchFamily="18" charset="0"/>
-                <a:cs typeface="Times New Roman" panose="02020603050405020304" pitchFamily="18" charset="0"/>
-              </a:rPr>
-              <a:t> </a:t>
-            </a:r>
-            <a:r>
-              <a:rPr lang="en-US" sz="1100" b="1" dirty="0">
-                <a:latin typeface="Times New Roman" panose="02020603050405020304" pitchFamily="18" charset="0"/>
-                <a:cs typeface="Times New Roman" panose="02020603050405020304" pitchFamily="18" charset="0"/>
-              </a:rPr>
-              <a:t>D</a:t>
-            </a:r>
-            <a:r>
-              <a:rPr lang="en-US" sz="1100" dirty="0">
-                <a:latin typeface="Times New Roman" panose="02020603050405020304" pitchFamily="18" charset="0"/>
-                <a:cs typeface="Times New Roman" panose="02020603050405020304" pitchFamily="18" charset="0"/>
-              </a:rPr>
-              <a:t>: Location of region(s) with maximum BBBD in relation to lesion site. </a:t>
-            </a:r>
-            <a:endParaRPr lang="en-IL" sz="1100" dirty="0">
-              <a:latin typeface="Times New Roman" panose="02020603050405020304" pitchFamily="18" charset="0"/>
-              <a:cs typeface="Times New Roman" panose="02020603050405020304" pitchFamily="18" charset="0"/>
-            </a:endParaRPr>
-          </a:p>
-          <a:p>
-            <a:r>
-              <a:rPr lang="en-US" sz="1100" b="1" dirty="0">
-                <a:latin typeface="Times New Roman" panose="02020603050405020304" pitchFamily="18" charset="0"/>
-                <a:cs typeface="Times New Roman" panose="02020603050405020304" pitchFamily="18" charset="0"/>
-              </a:rPr>
-              <a:t>E</a:t>
-            </a:r>
-            <a:r>
-              <a:rPr lang="en-US" sz="1100" dirty="0">
-                <a:latin typeface="Times New Roman" panose="02020603050405020304" pitchFamily="18" charset="0"/>
-                <a:cs typeface="Times New Roman" panose="02020603050405020304" pitchFamily="18" charset="0"/>
-              </a:rPr>
-              <a:t>: Whole brain BBBD volume in Z score compared with controls. </a:t>
-            </a:r>
-            <a:r>
-              <a:rPr lang="en-US" sz="1100" b="1" dirty="0">
-                <a:latin typeface="Times New Roman" panose="02020603050405020304" pitchFamily="18" charset="0"/>
-                <a:cs typeface="Times New Roman" panose="02020603050405020304" pitchFamily="18" charset="0"/>
-              </a:rPr>
-              <a:t>F</a:t>
-            </a:r>
-            <a:r>
-              <a:rPr lang="en-US" sz="1100" dirty="0">
-                <a:latin typeface="Times New Roman" panose="02020603050405020304" pitchFamily="18" charset="0"/>
-                <a:cs typeface="Times New Roman" panose="02020603050405020304" pitchFamily="18" charset="0"/>
-              </a:rPr>
-              <a:t>: % of regions (out of 123) with BBBD (Z score &gt; 2). </a:t>
-            </a:r>
-            <a:r>
-              <a:rPr lang="en-US" sz="1100" dirty="0">
-                <a:highlight>
-                  <a:srgbClr val="FFFF00"/>
-                </a:highlight>
-                <a:latin typeface="Times New Roman" panose="02020603050405020304" pitchFamily="18" charset="0"/>
-                <a:cs typeface="Times New Roman" panose="02020603050405020304" pitchFamily="18" charset="0"/>
-              </a:rPr>
-              <a:t>For more details see Table</a:t>
-            </a:r>
-            <a:r>
-              <a:rPr lang="en-US" sz="1100" dirty="0">
-                <a:latin typeface="Times New Roman" panose="02020603050405020304" pitchFamily="18" charset="0"/>
-                <a:cs typeface="Times New Roman" panose="02020603050405020304" pitchFamily="18" charset="0"/>
-              </a:rPr>
-              <a:t> </a:t>
-            </a:r>
-          </a:p>
-        </p:txBody>
-      </p:sp>
       <p:sp>
         <p:nvSpPr>
           <p:cNvPr id="24" name="AutoShape 2">
@@ -9439,7 +8936,7 @@
           <p:nvPr>
             <p:extLst>
               <p:ext uri="{D42A27DB-BD31-4B8C-83A1-F6EECF244321}">
-                <p14:modId xmlns:p14="http://schemas.microsoft.com/office/powerpoint/2010/main" val="897294212"/>
+                <p14:modId xmlns:p14="http://schemas.microsoft.com/office/powerpoint/2010/main" val="2746998401"/>
               </p:ext>
             </p:extLst>
           </p:nvPr>
@@ -9512,7 +9009,7 @@
           <p:nvPr>
             <p:extLst>
               <p:ext uri="{D42A27DB-BD31-4B8C-83A1-F6EECF244321}">
-                <p14:modId xmlns:p14="http://schemas.microsoft.com/office/powerpoint/2010/main" val="2813422717"/>
+                <p14:modId xmlns:p14="http://schemas.microsoft.com/office/powerpoint/2010/main" val="3849809797"/>
               </p:ext>
             </p:extLst>
           </p:nvPr>
@@ -9585,7 +9082,7 @@
           <p:nvPr>
             <p:extLst>
               <p:ext uri="{D42A27DB-BD31-4B8C-83A1-F6EECF244321}">
-                <p14:modId xmlns:p14="http://schemas.microsoft.com/office/powerpoint/2010/main" val="3217222208"/>
+                <p14:modId xmlns:p14="http://schemas.microsoft.com/office/powerpoint/2010/main" val="2714988184"/>
               </p:ext>
             </p:extLst>
           </p:nvPr>
@@ -9704,7 +9201,7 @@
             <p:nvPr>
               <p:extLst>
                 <p:ext uri="{D42A27DB-BD31-4B8C-83A1-F6EECF244321}">
-                  <p14:modId xmlns:p14="http://schemas.microsoft.com/office/powerpoint/2010/main" val="3986502320"/>
+                  <p14:modId xmlns:p14="http://schemas.microsoft.com/office/powerpoint/2010/main" val="2827440054"/>
                 </p:ext>
               </p:extLst>
             </p:nvPr>
@@ -9717,12 +9214,12 @@
             <a:graphicData uri="http://schemas.openxmlformats.org/presentationml/2006/ole">
               <mc:AlternateContent xmlns:mc="http://schemas.openxmlformats.org/markup-compatibility/2006">
                 <mc:Choice xmlns:v="urn:schemas-microsoft-com:vml" Requires="v">
-                  <p:oleObj name="Prism 9" r:id="rId2" imgW="3855613" imgH="2689630" progId="Prism9.Document">
+                  <p:oleObj name="Prism 9" r:id="rId3" imgW="3855613" imgH="2689630" progId="Prism9.Document">
                     <p:embed/>
                   </p:oleObj>
                 </mc:Choice>
                 <mc:Fallback>
-                  <p:oleObj name="Prism 9" r:id="rId2" imgW="3855613" imgH="2689630" progId="Prism9.Document">
+                  <p:oleObj name="Prism 9" r:id="rId3" imgW="3855613" imgH="2689630" progId="Prism9.Document">
                     <p:embed/>
                     <p:pic>
                       <p:nvPicPr>
@@ -9739,7 +9236,7 @@
                         <p:nvPr/>
                       </p:nvPicPr>
                       <p:blipFill>
-                        <a:blip r:embed="rId3"/>
+                        <a:blip r:embed="rId4"/>
                         <a:srcRect/>
                         <a:stretch>
                           <a:fillRect/>
@@ -9840,7 +9337,7 @@
             <p:nvPr>
               <p:extLst>
                 <p:ext uri="{D42A27DB-BD31-4B8C-83A1-F6EECF244321}">
-                  <p14:modId xmlns:p14="http://schemas.microsoft.com/office/powerpoint/2010/main" val="2058383842"/>
+                  <p14:modId xmlns:p14="http://schemas.microsoft.com/office/powerpoint/2010/main" val="357392400"/>
                 </p:ext>
               </p:extLst>
             </p:nvPr>
@@ -9853,12 +9350,12 @@
             <a:graphicData uri="http://schemas.openxmlformats.org/presentationml/2006/ole">
               <mc:AlternateContent xmlns:mc="http://schemas.openxmlformats.org/markup-compatibility/2006">
                 <mc:Choice xmlns:v="urn:schemas-microsoft-com:vml" Requires="v">
-                  <p:oleObj name="Prism 9" r:id="rId4" imgW="3855613" imgH="2689630" progId="Prism9.Document">
+                  <p:oleObj name="Prism 9" r:id="rId5" imgW="3855613" imgH="2689630" progId="Prism9.Document">
                     <p:embed/>
                   </p:oleObj>
                 </mc:Choice>
                 <mc:Fallback>
-                  <p:oleObj name="Prism 9" r:id="rId4" imgW="3855613" imgH="2689630" progId="Prism9.Document">
+                  <p:oleObj name="Prism 9" r:id="rId5" imgW="3855613" imgH="2689630" progId="Prism9.Document">
                     <p:embed/>
                     <p:pic>
                       <p:nvPicPr>
@@ -9875,7 +9372,7 @@
                         <p:nvPr/>
                       </p:nvPicPr>
                       <p:blipFill>
-                        <a:blip r:embed="rId5"/>
+                        <a:blip r:embed="rId6"/>
                         <a:srcRect/>
                         <a:stretch>
                           <a:fillRect/>
@@ -9976,7 +9473,7 @@
             <p:nvPr>
               <p:extLst>
                 <p:ext uri="{D42A27DB-BD31-4B8C-83A1-F6EECF244321}">
-                  <p14:modId xmlns:p14="http://schemas.microsoft.com/office/powerpoint/2010/main" val="3000720654"/>
+                  <p14:modId xmlns:p14="http://schemas.microsoft.com/office/powerpoint/2010/main" val="1044070021"/>
                 </p:ext>
               </p:extLst>
             </p:nvPr>
@@ -9989,12 +9486,12 @@
             <a:graphicData uri="http://schemas.openxmlformats.org/presentationml/2006/ole">
               <mc:AlternateContent xmlns:mc="http://schemas.openxmlformats.org/markup-compatibility/2006">
                 <mc:Choice xmlns:v="urn:schemas-microsoft-com:vml" Requires="v">
-                  <p:oleObj name="Prism 9" r:id="rId6" imgW="3855613" imgH="2689630" progId="Prism9.Document">
+                  <p:oleObj name="Prism 9" r:id="rId7" imgW="3855613" imgH="2689630" progId="Prism9.Document">
                     <p:embed/>
                   </p:oleObj>
                 </mc:Choice>
                 <mc:Fallback>
-                  <p:oleObj name="Prism 9" r:id="rId6" imgW="3855613" imgH="2689630" progId="Prism9.Document">
+                  <p:oleObj name="Prism 9" r:id="rId7" imgW="3855613" imgH="2689630" progId="Prism9.Document">
                     <p:embed/>
                     <p:pic>
                       <p:nvPicPr>
@@ -10011,7 +9508,7 @@
                         <p:nvPr/>
                       </p:nvPicPr>
                       <p:blipFill>
-                        <a:blip r:embed="rId7"/>
+                        <a:blip r:embed="rId8"/>
                         <a:srcRect/>
                         <a:stretch>
                           <a:fillRect/>
@@ -10112,7 +9609,7 @@
             <p:nvPr>
               <p:extLst>
                 <p:ext uri="{D42A27DB-BD31-4B8C-83A1-F6EECF244321}">
-                  <p14:modId xmlns:p14="http://schemas.microsoft.com/office/powerpoint/2010/main" val="3815631479"/>
+                  <p14:modId xmlns:p14="http://schemas.microsoft.com/office/powerpoint/2010/main" val="3857496674"/>
                 </p:ext>
               </p:extLst>
             </p:nvPr>
@@ -10125,12 +9622,12 @@
             <a:graphicData uri="http://schemas.openxmlformats.org/presentationml/2006/ole">
               <mc:AlternateContent xmlns:mc="http://schemas.openxmlformats.org/markup-compatibility/2006">
                 <mc:Choice xmlns:v="urn:schemas-microsoft-com:vml" Requires="v">
-                  <p:oleObj name="Prism 9" r:id="rId8" imgW="2020001" imgH="2704757" progId="Prism9.Document">
+                  <p:oleObj name="Prism 9" r:id="rId9" imgW="2020001" imgH="2704757" progId="Prism9.Document">
                     <p:embed/>
                   </p:oleObj>
                 </mc:Choice>
                 <mc:Fallback>
-                  <p:oleObj name="Prism 9" r:id="rId8" imgW="2020001" imgH="2704757" progId="Prism9.Document">
+                  <p:oleObj name="Prism 9" r:id="rId9" imgW="2020001" imgH="2704757" progId="Prism9.Document">
                     <p:embed/>
                     <p:pic>
                       <p:nvPicPr>
@@ -10147,7 +9644,7 @@
                         <p:nvPr/>
                       </p:nvPicPr>
                       <p:blipFill>
-                        <a:blip r:embed="rId9"/>
+                        <a:blip r:embed="rId10"/>
                         <a:srcRect/>
                         <a:stretch>
                           <a:fillRect/>
@@ -10250,7 +9747,7 @@
             <p:nvPr>
               <p:extLst>
                 <p:ext uri="{D42A27DB-BD31-4B8C-83A1-F6EECF244321}">
-                  <p14:modId xmlns:p14="http://schemas.microsoft.com/office/powerpoint/2010/main" val="1250720734"/>
+                  <p14:modId xmlns:p14="http://schemas.microsoft.com/office/powerpoint/2010/main" val="1197292541"/>
                 </p:ext>
               </p:extLst>
             </p:nvPr>
@@ -10263,12 +9760,12 @@
             <a:graphicData uri="http://schemas.openxmlformats.org/presentationml/2006/ole">
               <mc:AlternateContent xmlns:mc="http://schemas.openxmlformats.org/markup-compatibility/2006">
                 <mc:Choice xmlns:v="urn:schemas-microsoft-com:vml" Requires="v">
-                  <p:oleObj name="Prism 9" r:id="rId10" imgW="3860295" imgH="2689630" progId="Prism9.Document">
+                  <p:oleObj name="Prism 9" r:id="rId11" imgW="3860295" imgH="2689630" progId="Prism9.Document">
                     <p:embed/>
                   </p:oleObj>
                 </mc:Choice>
                 <mc:Fallback>
-                  <p:oleObj name="Prism 9" r:id="rId10" imgW="3860295" imgH="2689630" progId="Prism9.Document">
+                  <p:oleObj name="Prism 9" r:id="rId11" imgW="3860295" imgH="2689630" progId="Prism9.Document">
                     <p:embed/>
                     <p:pic>
                       <p:nvPicPr>
@@ -10285,7 +9782,7 @@
                         <p:nvPr/>
                       </p:nvPicPr>
                       <p:blipFill>
-                        <a:blip r:embed="rId11"/>
+                        <a:blip r:embed="rId12"/>
                         <a:srcRect/>
                         <a:stretch>
                           <a:fillRect/>
@@ -10351,214 +9848,6 @@
           </p:txBody>
         </p:sp>
       </p:grpSp>
-      <p:sp>
-        <p:nvSpPr>
-          <p:cNvPr id="21" name="TextBox 20">
-            <a:extLst>
-              <a:ext uri="{FF2B5EF4-FFF2-40B4-BE49-F238E27FC236}">
-                <a16:creationId xmlns:a16="http://schemas.microsoft.com/office/drawing/2014/main" id="{EF7C9DD2-41B8-CFEC-4885-0EC3B4A97FA4}"/>
-              </a:ext>
-            </a:extLst>
-          </p:cNvPr>
-          <p:cNvSpPr txBox="1"/>
-          <p:nvPr/>
-        </p:nvSpPr>
-        <p:spPr>
-          <a:xfrm>
-            <a:off x="2052533" y="20294"/>
-            <a:ext cx="2787943" cy="369332"/>
-          </a:xfrm>
-          <a:prstGeom prst="rect">
-            <a:avLst/>
-          </a:prstGeom>
-          <a:noFill/>
-        </p:spPr>
-        <p:txBody>
-          <a:bodyPr wrap="none" rtlCol="0">
-            <a:spAutoFit/>
-          </a:bodyPr>
-          <a:lstStyle/>
-          <a:p>
-            <a:r>
-              <a:rPr lang="en-IL" dirty="0">
-                <a:latin typeface="Times New Roman" panose="02020603050405020304" pitchFamily="18" charset="0"/>
-                <a:cs typeface="Times New Roman" panose="02020603050405020304" pitchFamily="18" charset="0"/>
-              </a:rPr>
-              <a:t>FIGURE </a:t>
-            </a:r>
-            <a:r>
-              <a:rPr lang="en-US" dirty="0">
-                <a:latin typeface="Times New Roman" panose="02020603050405020304" pitchFamily="18" charset="0"/>
-                <a:cs typeface="Times New Roman" panose="02020603050405020304" pitchFamily="18" charset="0"/>
-              </a:rPr>
-              <a:t>S1</a:t>
-            </a:r>
-            <a:r>
-              <a:rPr lang="en-IL" dirty="0">
-                <a:latin typeface="Times New Roman" panose="02020603050405020304" pitchFamily="18" charset="0"/>
-                <a:cs typeface="Times New Roman" panose="02020603050405020304" pitchFamily="18" charset="0"/>
-              </a:rPr>
-              <a:t>: </a:t>
-            </a:r>
-            <a:r>
-              <a:rPr lang="en-US" dirty="0">
-                <a:latin typeface="Times New Roman" panose="02020603050405020304" pitchFamily="18" charset="0"/>
-                <a:cs typeface="Times New Roman" panose="02020603050405020304" pitchFamily="18" charset="0"/>
-              </a:rPr>
-              <a:t>Demographics</a:t>
-            </a:r>
-            <a:endParaRPr lang="en-IL" dirty="0">
-              <a:latin typeface="Times New Roman" panose="02020603050405020304" pitchFamily="18" charset="0"/>
-              <a:cs typeface="Times New Roman" panose="02020603050405020304" pitchFamily="18" charset="0"/>
-            </a:endParaRPr>
-          </a:p>
-        </p:txBody>
-      </p:sp>
-      <p:sp>
-        <p:nvSpPr>
-          <p:cNvPr id="22" name="TextBox 21">
-            <a:extLst>
-              <a:ext uri="{FF2B5EF4-FFF2-40B4-BE49-F238E27FC236}">
-                <a16:creationId xmlns:a16="http://schemas.microsoft.com/office/drawing/2014/main" id="{D63701AB-D9A9-2D3D-AAC1-19896204008C}"/>
-              </a:ext>
-            </a:extLst>
-          </p:cNvPr>
-          <p:cNvSpPr txBox="1"/>
-          <p:nvPr/>
-        </p:nvSpPr>
-        <p:spPr>
-          <a:xfrm>
-            <a:off x="54289" y="6612662"/>
-            <a:ext cx="6588087" cy="507831"/>
-          </a:xfrm>
-          <a:prstGeom prst="rect">
-            <a:avLst/>
-          </a:prstGeom>
-          <a:noFill/>
-        </p:spPr>
-        <p:txBody>
-          <a:bodyPr wrap="square" rtlCol="0">
-            <a:spAutoFit/>
-          </a:bodyPr>
-          <a:lstStyle/>
-          <a:p>
-            <a:r>
-              <a:rPr lang="en-US" sz="900" dirty="0">
-                <a:solidFill>
-                  <a:srgbClr val="6666FF"/>
-                </a:solidFill>
-                <a:latin typeface="Times New Roman" panose="02020603050405020304" pitchFamily="18" charset="0"/>
-                <a:cs typeface="Times New Roman" panose="02020603050405020304" pitchFamily="18" charset="0"/>
-              </a:rPr>
-              <a:t>Figure S1 </a:t>
-            </a:r>
-            <a:r>
-              <a:rPr lang="en-US" sz="900" dirty="0">
-                <a:solidFill>
-                  <a:schemeClr val="accent1">
-                    <a:lumMod val="75000"/>
-                  </a:schemeClr>
-                </a:solidFill>
-                <a:latin typeface="Times New Roman" panose="02020603050405020304" pitchFamily="18" charset="0"/>
-                <a:cs typeface="Times New Roman" panose="02020603050405020304" pitchFamily="18" charset="0"/>
-              </a:rPr>
-              <a:t>. </a:t>
-            </a:r>
-            <a:r>
-              <a:rPr lang="en-US" sz="900" dirty="0">
-                <a:latin typeface="Times New Roman" panose="02020603050405020304" pitchFamily="18" charset="0"/>
-                <a:cs typeface="Times New Roman" panose="02020603050405020304" pitchFamily="18" charset="0"/>
-              </a:rPr>
-              <a:t>(</a:t>
-            </a:r>
-            <a:r>
-              <a:rPr lang="en-US" sz="900" b="1" dirty="0">
-                <a:latin typeface="Times New Roman" panose="02020603050405020304" pitchFamily="18" charset="0"/>
-                <a:cs typeface="Times New Roman" panose="02020603050405020304" pitchFamily="18" charset="0"/>
-              </a:rPr>
-              <a:t>A</a:t>
-            </a:r>
-            <a:r>
-              <a:rPr lang="en-US" sz="900" dirty="0">
-                <a:latin typeface="Times New Roman" panose="02020603050405020304" pitchFamily="18" charset="0"/>
-                <a:cs typeface="Times New Roman" panose="02020603050405020304" pitchFamily="18" charset="0"/>
-              </a:rPr>
-              <a:t>)</a:t>
-            </a:r>
-            <a:r>
-              <a:rPr lang="en-IL" sz="900" dirty="0">
-                <a:latin typeface="Times New Roman" panose="02020603050405020304" pitchFamily="18" charset="0"/>
-                <a:cs typeface="Times New Roman" panose="02020603050405020304" pitchFamily="18" charset="0"/>
-              </a:rPr>
-              <a:t> </a:t>
-            </a:r>
-            <a:r>
-              <a:rPr lang="en-US" sz="900" dirty="0">
-                <a:latin typeface="Times New Roman" panose="02020603050405020304" pitchFamily="18" charset="0"/>
-                <a:cs typeface="Times New Roman" panose="02020603050405020304" pitchFamily="18" charset="0"/>
-              </a:rPr>
-              <a:t>Average percent of regions with BBBD versus age (p=0.63). (</a:t>
-            </a:r>
-            <a:r>
-              <a:rPr lang="en-US" sz="900" b="1" dirty="0">
-                <a:latin typeface="Times New Roman" panose="02020603050405020304" pitchFamily="18" charset="0"/>
-                <a:cs typeface="Times New Roman" panose="02020603050405020304" pitchFamily="18" charset="0"/>
-              </a:rPr>
-              <a:t>B</a:t>
-            </a:r>
-            <a:r>
-              <a:rPr lang="en-US" sz="900" dirty="0">
-                <a:latin typeface="Times New Roman" panose="02020603050405020304" pitchFamily="18" charset="0"/>
-                <a:cs typeface="Times New Roman" panose="02020603050405020304" pitchFamily="18" charset="0"/>
-              </a:rPr>
-              <a:t>) Average percent of regions with BBBD by gender (p=0.058). (</a:t>
-            </a:r>
-            <a:r>
-              <a:rPr lang="en-US" sz="900" b="1" dirty="0">
-                <a:latin typeface="Times New Roman" panose="02020603050405020304" pitchFamily="18" charset="0"/>
-                <a:cs typeface="Times New Roman" panose="02020603050405020304" pitchFamily="18" charset="0"/>
-              </a:rPr>
-              <a:t>C</a:t>
-            </a:r>
-            <a:r>
-              <a:rPr lang="en-US" sz="900" dirty="0">
-                <a:latin typeface="Times New Roman" panose="02020603050405020304" pitchFamily="18" charset="0"/>
-                <a:cs typeface="Times New Roman" panose="02020603050405020304" pitchFamily="18" charset="0"/>
-              </a:rPr>
-              <a:t>) Average percent of regions with BBBD versus age of onset (p=0.22). (</a:t>
-            </a:r>
-            <a:r>
-              <a:rPr lang="en-US" sz="900" b="1" dirty="0">
-                <a:latin typeface="Times New Roman" panose="02020603050405020304" pitchFamily="18" charset="0"/>
-                <a:cs typeface="Times New Roman" panose="02020603050405020304" pitchFamily="18" charset="0"/>
-              </a:rPr>
-              <a:t>D</a:t>
-            </a:r>
-            <a:r>
-              <a:rPr lang="en-US" sz="900" dirty="0">
-                <a:latin typeface="Times New Roman" panose="02020603050405020304" pitchFamily="18" charset="0"/>
-                <a:cs typeface="Times New Roman" panose="02020603050405020304" pitchFamily="18" charset="0"/>
-              </a:rPr>
-              <a:t>) Average percent of regions with BBBD versus years of epilepsy (p=0.79). (</a:t>
-            </a:r>
-            <a:r>
-              <a:rPr lang="en-US" sz="900" b="1" dirty="0">
-                <a:latin typeface="Times New Roman" panose="02020603050405020304" pitchFamily="18" charset="0"/>
-                <a:cs typeface="Times New Roman" panose="02020603050405020304" pitchFamily="18" charset="0"/>
-              </a:rPr>
-              <a:t>E</a:t>
-            </a:r>
-            <a:r>
-              <a:rPr lang="en-US" sz="900" dirty="0">
-                <a:latin typeface="Times New Roman" panose="02020603050405020304" pitchFamily="18" charset="0"/>
-                <a:cs typeface="Times New Roman" panose="02020603050405020304" pitchFamily="18" charset="0"/>
-              </a:rPr>
-              <a:t>) Average percent of regions with BBBD versus seizure frequency (p=0.39).</a:t>
-            </a:r>
-            <a:endParaRPr lang="en-US" dirty="0"/>
-          </a:p>
-        </p:txBody>
-      </p:sp>
     </p:spTree>
     <p:extLst>
       <p:ext uri="{BB962C8B-B14F-4D97-AF65-F5344CB8AC3E}">
@@ -10605,10 +9894,10 @@
         </p:nvGrpSpPr>
         <p:grpSpPr>
           <a:xfrm>
-            <a:off x="260350" y="522174"/>
-            <a:ext cx="2101850" cy="2667116"/>
+            <a:off x="260350" y="522175"/>
+            <a:ext cx="2101850" cy="2665526"/>
             <a:chOff x="3206060" y="5977957"/>
-            <a:chExt cx="3026449" cy="3840373"/>
+            <a:chExt cx="3026449" cy="3838083"/>
           </a:xfrm>
         </p:grpSpPr>
         <p:graphicFrame>
@@ -10626,25 +9915,25 @@
             <p:nvPr>
               <p:extLst>
                 <p:ext uri="{D42A27DB-BD31-4B8C-83A1-F6EECF244321}">
-                  <p14:modId xmlns:p14="http://schemas.microsoft.com/office/powerpoint/2010/main" val="1326141863"/>
+                  <p14:modId xmlns:p14="http://schemas.microsoft.com/office/powerpoint/2010/main" val="1595969800"/>
                 </p:ext>
               </p:extLst>
             </p:nvPr>
           </p:nvGraphicFramePr>
           <p:xfrm>
-            <a:off x="3206060" y="6046698"/>
-            <a:ext cx="3026449" cy="3771632"/>
+            <a:off x="3206060" y="6046696"/>
+            <a:ext cx="3026449" cy="3769344"/>
           </p:xfrm>
           <a:graphic>
             <a:graphicData uri="http://schemas.openxmlformats.org/presentationml/2006/ole">
               <mc:AlternateContent xmlns:mc="http://schemas.openxmlformats.org/markup-compatibility/2006">
                 <mc:Choice xmlns:v="urn:schemas-microsoft-com:vml" Requires="v">
-                  <p:oleObj name="Prism 9" r:id="rId2" imgW="2020001" imgH="2517117" progId="Prism9.Document">
+                  <p:oleObj name="Prism 9" r:id="rId3" imgW="2019240" imgH="2516040" progId="Prism9.Document">
                     <p:embed/>
                   </p:oleObj>
                 </mc:Choice>
                 <mc:Fallback>
-                  <p:oleObj name="Prism 9" r:id="rId2" imgW="2020001" imgH="2517117" progId="Prism9.Document">
+                  <p:oleObj name="Prism 9" r:id="rId3" imgW="2019240" imgH="2516040" progId="Prism9.Document">
                     <p:embed/>
                     <p:pic>
                       <p:nvPicPr>
@@ -10661,7 +9950,7 @@
                         <p:nvPr/>
                       </p:nvPicPr>
                       <p:blipFill>
-                        <a:blip r:embed="rId3"/>
+                        <a:blip r:embed="rId4"/>
                         <a:srcRect/>
                         <a:stretch>
                           <a:fillRect/>
@@ -10669,8 +9958,8 @@
                       </p:blipFill>
                       <p:spPr bwMode="auto">
                         <a:xfrm>
-                          <a:off x="3206060" y="6046698"/>
-                          <a:ext cx="3026449" cy="3771632"/>
+                          <a:off x="3206060" y="6046696"/>
+                          <a:ext cx="3026449" cy="3769344"/>
                         </a:xfrm>
                         <a:prstGeom prst="rect">
                           <a:avLst/>
@@ -10727,200 +10016,6 @@
           </p:txBody>
         </p:sp>
       </p:grpSp>
-      <p:sp>
-        <p:nvSpPr>
-          <p:cNvPr id="21" name="TextBox 20">
-            <a:extLst>
-              <a:ext uri="{FF2B5EF4-FFF2-40B4-BE49-F238E27FC236}">
-                <a16:creationId xmlns:a16="http://schemas.microsoft.com/office/drawing/2014/main" id="{EF7C9DD2-41B8-CFEC-4885-0EC3B4A97FA4}"/>
-              </a:ext>
-            </a:extLst>
-          </p:cNvPr>
-          <p:cNvSpPr txBox="1"/>
-          <p:nvPr/>
-        </p:nvSpPr>
-        <p:spPr>
-          <a:xfrm>
-            <a:off x="2052533" y="20294"/>
-            <a:ext cx="2313454" cy="369332"/>
-          </a:xfrm>
-          <a:prstGeom prst="rect">
-            <a:avLst/>
-          </a:prstGeom>
-          <a:noFill/>
-        </p:spPr>
-        <p:txBody>
-          <a:bodyPr wrap="none" rtlCol="0">
-            <a:spAutoFit/>
-          </a:bodyPr>
-          <a:lstStyle/>
-          <a:p>
-            <a:r>
-              <a:rPr lang="en-IL" dirty="0">
-                <a:latin typeface="Times New Roman" panose="02020603050405020304" pitchFamily="18" charset="0"/>
-                <a:cs typeface="Times New Roman" panose="02020603050405020304" pitchFamily="18" charset="0"/>
-              </a:rPr>
-              <a:t>FIGURE </a:t>
-            </a:r>
-            <a:r>
-              <a:rPr lang="en-US" dirty="0">
-                <a:latin typeface="Times New Roman" panose="02020603050405020304" pitchFamily="18" charset="0"/>
-                <a:cs typeface="Times New Roman" panose="02020603050405020304" pitchFamily="18" charset="0"/>
-              </a:rPr>
-              <a:t>S2</a:t>
-            </a:r>
-            <a:r>
-              <a:rPr lang="en-IL" dirty="0">
-                <a:latin typeface="Times New Roman" panose="02020603050405020304" pitchFamily="18" charset="0"/>
-                <a:cs typeface="Times New Roman" panose="02020603050405020304" pitchFamily="18" charset="0"/>
-              </a:rPr>
-              <a:t>: </a:t>
-            </a:r>
-            <a:r>
-              <a:rPr lang="en-US" dirty="0">
-                <a:latin typeface="Times New Roman" panose="02020603050405020304" pitchFamily="18" charset="0"/>
-                <a:cs typeface="Times New Roman" panose="02020603050405020304" pitchFamily="18" charset="0"/>
-              </a:rPr>
-              <a:t>Medicine</a:t>
-            </a:r>
-            <a:endParaRPr lang="en-IL" dirty="0">
-              <a:latin typeface="Times New Roman" panose="02020603050405020304" pitchFamily="18" charset="0"/>
-              <a:cs typeface="Times New Roman" panose="02020603050405020304" pitchFamily="18" charset="0"/>
-            </a:endParaRPr>
-          </a:p>
-        </p:txBody>
-      </p:sp>
-      <p:sp>
-        <p:nvSpPr>
-          <p:cNvPr id="22" name="TextBox 21">
-            <a:extLst>
-              <a:ext uri="{FF2B5EF4-FFF2-40B4-BE49-F238E27FC236}">
-                <a16:creationId xmlns:a16="http://schemas.microsoft.com/office/drawing/2014/main" id="{D63701AB-D9A9-2D3D-AAC1-19896204008C}"/>
-              </a:ext>
-            </a:extLst>
-          </p:cNvPr>
-          <p:cNvSpPr txBox="1"/>
-          <p:nvPr/>
-        </p:nvSpPr>
-        <p:spPr>
-          <a:xfrm>
-            <a:off x="134956" y="6070553"/>
-            <a:ext cx="6588087" cy="646331"/>
-          </a:xfrm>
-          <a:prstGeom prst="rect">
-            <a:avLst/>
-          </a:prstGeom>
-          <a:noFill/>
-        </p:spPr>
-        <p:txBody>
-          <a:bodyPr wrap="square" rtlCol="0">
-            <a:spAutoFit/>
-          </a:bodyPr>
-          <a:lstStyle/>
-          <a:p>
-            <a:r>
-              <a:rPr lang="en-US" sz="900" dirty="0">
-                <a:solidFill>
-                  <a:srgbClr val="6666FF"/>
-                </a:solidFill>
-                <a:latin typeface="Times New Roman" panose="02020603050405020304" pitchFamily="18" charset="0"/>
-                <a:cs typeface="Times New Roman" panose="02020603050405020304" pitchFamily="18" charset="0"/>
-              </a:rPr>
-              <a:t>Figure S2 </a:t>
-            </a:r>
-            <a:r>
-              <a:rPr lang="en-US" sz="900" dirty="0">
-                <a:solidFill>
-                  <a:schemeClr val="accent1">
-                    <a:lumMod val="75000"/>
-                  </a:schemeClr>
-                </a:solidFill>
-                <a:latin typeface="Times New Roman" panose="02020603050405020304" pitchFamily="18" charset="0"/>
-                <a:cs typeface="Times New Roman" panose="02020603050405020304" pitchFamily="18" charset="0"/>
-              </a:rPr>
-              <a:t>. </a:t>
-            </a:r>
-            <a:r>
-              <a:rPr lang="en-US" sz="900" dirty="0">
-                <a:latin typeface="Times New Roman" panose="02020603050405020304" pitchFamily="18" charset="0"/>
-                <a:cs typeface="Times New Roman" panose="02020603050405020304" pitchFamily="18" charset="0"/>
-              </a:rPr>
-              <a:t>(</a:t>
-            </a:r>
-            <a:r>
-              <a:rPr lang="en-US" sz="900" b="1" dirty="0">
-                <a:latin typeface="Times New Roman" panose="02020603050405020304" pitchFamily="18" charset="0"/>
-                <a:cs typeface="Times New Roman" panose="02020603050405020304" pitchFamily="18" charset="0"/>
-              </a:rPr>
-              <a:t>A</a:t>
-            </a:r>
-            <a:r>
-              <a:rPr lang="en-US" sz="900" dirty="0">
-                <a:latin typeface="Times New Roman" panose="02020603050405020304" pitchFamily="18" charset="0"/>
-                <a:cs typeface="Times New Roman" panose="02020603050405020304" pitchFamily="18" charset="0"/>
-              </a:rPr>
-              <a:t>) Average percent of regions with BBBD by number of medications taken (N(0,1) = 17, N(2)=14, N(3+)=19. p(1,2 )=0.65 , p(1,3)=0.14 , p(2,3)= 0.46). (</a:t>
-            </a:r>
-            <a:r>
-              <a:rPr lang="en-US" sz="900" b="1" dirty="0">
-                <a:latin typeface="Times New Roman" panose="02020603050405020304" pitchFamily="18" charset="0"/>
-                <a:cs typeface="Times New Roman" panose="02020603050405020304" pitchFamily="18" charset="0"/>
-              </a:rPr>
-              <a:t>B</a:t>
-            </a:r>
-            <a:r>
-              <a:rPr lang="en-US" sz="900" dirty="0">
-                <a:latin typeface="Times New Roman" panose="02020603050405020304" pitchFamily="18" charset="0"/>
-                <a:cs typeface="Times New Roman" panose="02020603050405020304" pitchFamily="18" charset="0"/>
-              </a:rPr>
-              <a:t>)</a:t>
-            </a:r>
-            <a:r>
-              <a:rPr lang="he-IL" sz="900" dirty="0">
-                <a:latin typeface="Times New Roman" panose="02020603050405020304" pitchFamily="18" charset="0"/>
-                <a:cs typeface="Times New Roman" panose="02020603050405020304" pitchFamily="18" charset="0"/>
-              </a:rPr>
-              <a:t> </a:t>
-            </a:r>
-            <a:r>
-              <a:rPr lang="en-US" sz="900" dirty="0">
-                <a:latin typeface="Times New Roman" panose="02020603050405020304" pitchFamily="18" charset="0"/>
-                <a:cs typeface="Times New Roman" panose="02020603050405020304" pitchFamily="18" charset="0"/>
-              </a:rPr>
-              <a:t> Distribution of PWE with low and high BBBD cutoff set at the median. (</a:t>
-            </a:r>
-            <a:r>
-              <a:rPr lang="en-US" sz="900" b="1" dirty="0">
-                <a:latin typeface="Times New Roman" panose="02020603050405020304" pitchFamily="18" charset="0"/>
-                <a:cs typeface="Times New Roman" panose="02020603050405020304" pitchFamily="18" charset="0"/>
-              </a:rPr>
-              <a:t>C</a:t>
-            </a:r>
-            <a:r>
-              <a:rPr lang="en-US" sz="900" dirty="0">
-                <a:latin typeface="Times New Roman" panose="02020603050405020304" pitchFamily="18" charset="0"/>
-                <a:cs typeface="Times New Roman" panose="02020603050405020304" pitchFamily="18" charset="0"/>
-              </a:rPr>
-              <a:t>) Average number of medication taken by PWE with low and high BBBD. (</a:t>
-            </a:r>
-            <a:r>
-              <a:rPr lang="en-US" sz="900" b="1" dirty="0">
-                <a:latin typeface="Times New Roman" panose="02020603050405020304" pitchFamily="18" charset="0"/>
-                <a:cs typeface="Times New Roman" panose="02020603050405020304" pitchFamily="18" charset="0"/>
-              </a:rPr>
-              <a:t>D</a:t>
-            </a:r>
-            <a:r>
-              <a:rPr lang="en-US" sz="900" dirty="0">
-                <a:latin typeface="Times New Roman" panose="02020603050405020304" pitchFamily="18" charset="0"/>
-                <a:cs typeface="Times New Roman" panose="02020603050405020304" pitchFamily="18" charset="0"/>
-              </a:rPr>
-              <a:t>) Percent of patients who take a medicine divided to low and high BBBD groups. (P=0.36, 0.63, 0.01,0.43, 0.39,0.2,0.87, 0.78, 0.78, 0.78).</a:t>
-            </a:r>
-            <a:endParaRPr lang="en-US" dirty="0"/>
-          </a:p>
-        </p:txBody>
-      </p:sp>
       <p:graphicFrame>
         <p:nvGraphicFramePr>
           <p:cNvPr id="4" name="Object 3">
@@ -10936,7 +10031,7 @@
           <p:nvPr>
             <p:extLst>
               <p:ext uri="{D42A27DB-BD31-4B8C-83A1-F6EECF244321}">
-                <p14:modId xmlns:p14="http://schemas.microsoft.com/office/powerpoint/2010/main" val="2850638845"/>
+                <p14:modId xmlns:p14="http://schemas.microsoft.com/office/powerpoint/2010/main" val="1550819011"/>
               </p:ext>
             </p:extLst>
           </p:nvPr>
@@ -10949,12 +10044,12 @@
           <a:graphicData uri="http://schemas.openxmlformats.org/presentationml/2006/ole">
             <mc:AlternateContent xmlns:mc="http://schemas.openxmlformats.org/markup-compatibility/2006">
               <mc:Choice xmlns:v="urn:schemas-microsoft-com:vml" Requires="v">
-                <p:oleObj name="Prism 9" r:id="rId4" imgW="2169458" imgH="2951823" progId="Prism9.Document">
+                <p:oleObj name="Prism 9" r:id="rId5" imgW="2169458" imgH="2951823" progId="Prism9.Document">
                   <p:embed/>
                 </p:oleObj>
               </mc:Choice>
               <mc:Fallback>
-                <p:oleObj name="Prism 9" r:id="rId4" imgW="2169458" imgH="2951823" progId="Prism9.Document">
+                <p:oleObj name="Prism 9" r:id="rId5" imgW="2169458" imgH="2951823" progId="Prism9.Document">
                   <p:embed/>
                   <p:pic>
                     <p:nvPicPr>
@@ -10963,7 +10058,7 @@
                       <p:nvPr/>
                     </p:nvPicPr>
                     <p:blipFill>
-                      <a:blip r:embed="rId5"/>
+                      <a:blip r:embed="rId6"/>
                       <a:stretch>
                         <a:fillRect/>
                       </a:stretch>
@@ -10999,7 +10094,7 @@
           <p:nvPr>
             <p:extLst>
               <p:ext uri="{D42A27DB-BD31-4B8C-83A1-F6EECF244321}">
-                <p14:modId xmlns:p14="http://schemas.microsoft.com/office/powerpoint/2010/main" val="3005274172"/>
+                <p14:modId xmlns:p14="http://schemas.microsoft.com/office/powerpoint/2010/main" val="49420879"/>
               </p:ext>
             </p:extLst>
           </p:nvPr>
@@ -11012,12 +10107,12 @@
           <a:graphicData uri="http://schemas.openxmlformats.org/presentationml/2006/ole">
             <mc:AlternateContent xmlns:mc="http://schemas.openxmlformats.org/markup-compatibility/2006">
               <mc:Choice xmlns:v="urn:schemas-microsoft-com:vml" Requires="v">
-                <p:oleObj name="Prism 9" r:id="rId6" imgW="2201510" imgH="2951823" progId="Prism9.Document">
+                <p:oleObj name="Prism 9" r:id="rId7" imgW="2201510" imgH="2951823" progId="Prism9.Document">
                   <p:embed/>
                 </p:oleObj>
               </mc:Choice>
               <mc:Fallback>
-                <p:oleObj name="Prism 9" r:id="rId6" imgW="2201510" imgH="2951823" progId="Prism9.Document">
+                <p:oleObj name="Prism 9" r:id="rId7" imgW="2201510" imgH="2951823" progId="Prism9.Document">
                   <p:embed/>
                   <p:pic>
                     <p:nvPicPr>
@@ -11026,7 +10121,7 @@
                       <p:nvPr/>
                     </p:nvPicPr>
                     <p:blipFill>
-                      <a:blip r:embed="rId7"/>
+                      <a:blip r:embed="rId8"/>
                       <a:stretch>
                         <a:fillRect/>
                       </a:stretch>
@@ -11062,7 +10157,7 @@
           <p:nvPr>
             <p:extLst>
               <p:ext uri="{D42A27DB-BD31-4B8C-83A1-F6EECF244321}">
-                <p14:modId xmlns:p14="http://schemas.microsoft.com/office/powerpoint/2010/main" val="3993406208"/>
+                <p14:modId xmlns:p14="http://schemas.microsoft.com/office/powerpoint/2010/main" val="120403733"/>
               </p:ext>
             </p:extLst>
           </p:nvPr>
@@ -11075,12 +10170,12 @@
           <a:graphicData uri="http://schemas.openxmlformats.org/presentationml/2006/ole">
             <mc:AlternateContent xmlns:mc="http://schemas.openxmlformats.org/markup-compatibility/2006">
               <mc:Choice xmlns:v="urn:schemas-microsoft-com:vml" Requires="v">
-                <p:oleObj name="Prism 9" r:id="rId8" imgW="3521767" imgH="2899960" progId="Prism9.Document">
+                <p:oleObj name="Prism 9" r:id="rId9" imgW="3521767" imgH="2899960" progId="Prism9.Document">
                   <p:embed/>
                 </p:oleObj>
               </mc:Choice>
               <mc:Fallback>
-                <p:oleObj name="Prism 9" r:id="rId8" imgW="3521767" imgH="2899960" progId="Prism9.Document">
+                <p:oleObj name="Prism 9" r:id="rId9" imgW="3521767" imgH="2899960" progId="Prism9.Document">
                   <p:embed/>
                   <p:pic>
                     <p:nvPicPr>
@@ -11089,7 +10184,7 @@
                       <p:nvPr/>
                     </p:nvPicPr>
                     <p:blipFill>
-                      <a:blip r:embed="rId9"/>
+                      <a:blip r:embed="rId10"/>
                       <a:stretch>
                         <a:fillRect/>
                       </a:stretch>
@@ -11250,7 +10345,7 @@
 </file>
 
 <file path=ppt/slides/slide6.xml><?xml version="1.0" encoding="utf-8"?>
-<p:sld xmlns:a="http://schemas.openxmlformats.org/drawingml/2006/main" xmlns:r="http://schemas.openxmlformats.org/officeDocument/2006/relationships" xmlns:p="http://schemas.openxmlformats.org/presentationml/2006/main">
+<p:sld xmlns:a="http://schemas.openxmlformats.org/drawingml/2006/main" xmlns:r="http://schemas.openxmlformats.org/officeDocument/2006/relationships" xmlns:p="http://schemas.openxmlformats.org/presentationml/2006/main" show="0">
   <p:cSld>
     <p:spTree>
       <p:nvGrpSpPr>

--- a/Epilepsy-control figures slow nov 18 af.pptx
+++ b/Epilepsy-control figures slow nov 18 af.pptx
@@ -220,7 +220,7 @@
           <a:p>
             <a:fld id="{059E68AF-D436-45B7-9D7B-7D787C1C2BA6}" type="datetimeFigureOut">
               <a:rPr lang="en-US" smtClean="0"/>
-              <a:t>1/11/2024</a:t>
+              <a:t>1/28/2024</a:t>
             </a:fld>
             <a:endParaRPr lang="en-US"/>
           </a:p>
@@ -1340,7 +1340,7 @@
           <a:p>
             <a:fld id="{B1863CB9-A693-CA42-9056-EA714E1C6B92}" type="datetimeFigureOut">
               <a:rPr lang="en-IL" smtClean="0"/>
-              <a:t>01/11/2024</a:t>
+              <a:t>01/28/2024</a:t>
             </a:fld>
             <a:endParaRPr lang="en-IL"/>
           </a:p>
@@ -1510,7 +1510,7 @@
           <a:p>
             <a:fld id="{B1863CB9-A693-CA42-9056-EA714E1C6B92}" type="datetimeFigureOut">
               <a:rPr lang="en-IL" smtClean="0"/>
-              <a:t>01/11/2024</a:t>
+              <a:t>01/28/2024</a:t>
             </a:fld>
             <a:endParaRPr lang="en-IL"/>
           </a:p>
@@ -1690,7 +1690,7 @@
           <a:p>
             <a:fld id="{B1863CB9-A693-CA42-9056-EA714E1C6B92}" type="datetimeFigureOut">
               <a:rPr lang="en-IL" smtClean="0"/>
-              <a:t>01/11/2024</a:t>
+              <a:t>01/28/2024</a:t>
             </a:fld>
             <a:endParaRPr lang="en-IL"/>
           </a:p>
@@ -1860,7 +1860,7 @@
           <a:p>
             <a:fld id="{B1863CB9-A693-CA42-9056-EA714E1C6B92}" type="datetimeFigureOut">
               <a:rPr lang="en-IL" smtClean="0"/>
-              <a:t>01/11/2024</a:t>
+              <a:t>01/28/2024</a:t>
             </a:fld>
             <a:endParaRPr lang="en-IL"/>
           </a:p>
@@ -2104,7 +2104,7 @@
           <a:p>
             <a:fld id="{B1863CB9-A693-CA42-9056-EA714E1C6B92}" type="datetimeFigureOut">
               <a:rPr lang="en-IL" smtClean="0"/>
-              <a:t>01/11/2024</a:t>
+              <a:t>01/28/2024</a:t>
             </a:fld>
             <a:endParaRPr lang="en-IL"/>
           </a:p>
@@ -2336,7 +2336,7 @@
           <a:p>
             <a:fld id="{B1863CB9-A693-CA42-9056-EA714E1C6B92}" type="datetimeFigureOut">
               <a:rPr lang="en-IL" smtClean="0"/>
-              <a:t>01/11/2024</a:t>
+              <a:t>01/28/2024</a:t>
             </a:fld>
             <a:endParaRPr lang="en-IL"/>
           </a:p>
@@ -2703,7 +2703,7 @@
           <a:p>
             <a:fld id="{B1863CB9-A693-CA42-9056-EA714E1C6B92}" type="datetimeFigureOut">
               <a:rPr lang="en-IL" smtClean="0"/>
-              <a:t>01/11/2024</a:t>
+              <a:t>01/28/2024</a:t>
             </a:fld>
             <a:endParaRPr lang="en-IL"/>
           </a:p>
@@ -2821,7 +2821,7 @@
           <a:p>
             <a:fld id="{B1863CB9-A693-CA42-9056-EA714E1C6B92}" type="datetimeFigureOut">
               <a:rPr lang="en-IL" smtClean="0"/>
-              <a:t>01/11/2024</a:t>
+              <a:t>01/28/2024</a:t>
             </a:fld>
             <a:endParaRPr lang="en-IL"/>
           </a:p>
@@ -2916,7 +2916,7 @@
           <a:p>
             <a:fld id="{B1863CB9-A693-CA42-9056-EA714E1C6B92}" type="datetimeFigureOut">
               <a:rPr lang="en-IL" smtClean="0"/>
-              <a:t>01/11/2024</a:t>
+              <a:t>01/28/2024</a:t>
             </a:fld>
             <a:endParaRPr lang="en-IL"/>
           </a:p>
@@ -3193,7 +3193,7 @@
           <a:p>
             <a:fld id="{B1863CB9-A693-CA42-9056-EA714E1C6B92}" type="datetimeFigureOut">
               <a:rPr lang="en-IL" smtClean="0"/>
-              <a:t>01/11/2024</a:t>
+              <a:t>01/28/2024</a:t>
             </a:fld>
             <a:endParaRPr lang="en-IL"/>
           </a:p>
@@ -3450,7 +3450,7 @@
           <a:p>
             <a:fld id="{B1863CB9-A693-CA42-9056-EA714E1C6B92}" type="datetimeFigureOut">
               <a:rPr lang="en-IL" smtClean="0"/>
-              <a:t>01/11/2024</a:t>
+              <a:t>01/28/2024</a:t>
             </a:fld>
             <a:endParaRPr lang="en-IL"/>
           </a:p>
@@ -3663,7 +3663,7 @@
           <a:p>
             <a:fld id="{B1863CB9-A693-CA42-9056-EA714E1C6B92}" type="datetimeFigureOut">
               <a:rPr lang="en-IL" smtClean="0"/>
-              <a:t>01/11/2024</a:t>
+              <a:t>01/28/2024</a:t>
             </a:fld>
             <a:endParaRPr lang="en-IL"/>
           </a:p>
@@ -4485,25 +4485,25 @@
           <p:nvPr>
             <p:extLst>
               <p:ext uri="{D42A27DB-BD31-4B8C-83A1-F6EECF244321}">
-                <p14:modId xmlns:p14="http://schemas.microsoft.com/office/powerpoint/2010/main" val="701976921"/>
+                <p14:modId xmlns:p14="http://schemas.microsoft.com/office/powerpoint/2010/main" val="2344956284"/>
               </p:ext>
             </p:extLst>
           </p:nvPr>
         </p:nvGraphicFramePr>
         <p:xfrm>
-          <a:off x="3416300" y="2982913"/>
-          <a:ext cx="1928813" cy="2820987"/>
+          <a:off x="3416300" y="3076893"/>
+          <a:ext cx="1928813" cy="2924175"/>
         </p:xfrm>
         <a:graphic>
           <a:graphicData uri="http://schemas.openxmlformats.org/presentationml/2006/ole">
             <mc:AlternateContent xmlns:mc="http://schemas.openxmlformats.org/markup-compatibility/2006">
               <mc:Choice xmlns:v="urn:schemas-microsoft-com:vml" Requires="v">
-                <p:oleObj name="Prism 9" r:id="rId9" imgW="2020001" imgH="2956144" progId="Prism9.Document">
+                <p:oleObj name="Prism 9" r:id="rId9" imgW="2020001" imgH="3064551" progId="Prism9.Document">
                   <p:embed/>
                 </p:oleObj>
               </mc:Choice>
               <mc:Fallback>
-                <p:oleObj name="Prism 9" r:id="rId9" imgW="2020001" imgH="2956144" progId="Prism9.Document">
+                <p:oleObj name="Prism 9" r:id="rId9" imgW="2020001" imgH="3064551" progId="Prism9.Document">
                   <p:embed/>
                   <p:pic>
                     <p:nvPicPr>
@@ -4528,8 +4528,8 @@
                     </p:blipFill>
                     <p:spPr bwMode="auto">
                       <a:xfrm>
-                        <a:off x="3416300" y="2982913"/>
-                        <a:ext cx="1928813" cy="2820987"/>
+                        <a:off x="3416300" y="3076893"/>
+                        <a:ext cx="1928813" cy="2924175"/>
                       </a:xfrm>
                       <a:prstGeom prst="rect">
                         <a:avLst/>
@@ -4914,7 +4914,7 @@
                   <a:latin typeface="Times New Roman" panose="02020603050405020304" pitchFamily="18" charset="0"/>
                   <a:cs typeface="Times New Roman" panose="02020603050405020304" pitchFamily="18" charset="0"/>
                 </a:rPr>
-                <a:t>Z score</a:t>
+                <a:t>MAD</a:t>
               </a:r>
             </a:p>
           </p:txBody>
@@ -5973,7 +5973,7 @@
                   <a:latin typeface="Times New Roman" panose="02020603050405020304" pitchFamily="18" charset="0"/>
                   <a:cs typeface="+mj-cs"/>
                 </a:rPr>
-                <a:t>Z score</a:t>
+                <a:t>MAD</a:t>
               </a:r>
             </a:p>
           </p:txBody>
@@ -6675,7 +6675,7 @@
                   <a:latin typeface="Times New Roman" panose="02020603050405020304" pitchFamily="18" charset="0"/>
                   <a:cs typeface="+mj-cs"/>
                 </a:rPr>
-                <a:t>Zscore</a:t>
+                <a:t>MAD</a:t>
               </a:r>
             </a:p>
           </p:txBody>
@@ -7065,7 +7065,7 @@
                   <a:latin typeface="Times New Roman" panose="02020603050405020304" pitchFamily="18" charset="0"/>
                   <a:cs typeface="Times New Roman" panose="02020603050405020304" pitchFamily="18" charset="0"/>
                 </a:rPr>
-                <a:t>Z score</a:t>
+                <a:t>MAD</a:t>
               </a:r>
             </a:p>
           </p:txBody>
@@ -7492,7 +7492,7 @@
         </p:nvSpPr>
         <p:spPr>
           <a:xfrm>
-            <a:off x="3039647" y="4414029"/>
+            <a:off x="4007387" y="4414029"/>
             <a:ext cx="2115536" cy="261610"/>
           </a:xfrm>
           <a:prstGeom prst="rect">
@@ -7535,7 +7535,7 @@
           <p:nvPr>
             <p:extLst>
               <p:ext uri="{D42A27DB-BD31-4B8C-83A1-F6EECF244321}">
-                <p14:modId xmlns:p14="http://schemas.microsoft.com/office/powerpoint/2010/main" val="874715476"/>
+                <p14:modId xmlns:p14="http://schemas.microsoft.com/office/powerpoint/2010/main" val="1011902520"/>
               </p:ext>
             </p:extLst>
           </p:nvPr>
@@ -7608,7 +7608,7 @@
           <p:nvPr>
             <p:extLst>
               <p:ext uri="{D42A27DB-BD31-4B8C-83A1-F6EECF244321}">
-                <p14:modId xmlns:p14="http://schemas.microsoft.com/office/powerpoint/2010/main" val="419792223"/>
+                <p14:modId xmlns:p14="http://schemas.microsoft.com/office/powerpoint/2010/main" val="4012998258"/>
               </p:ext>
             </p:extLst>
           </p:nvPr>
@@ -7681,25 +7681,25 @@
           <p:nvPr>
             <p:extLst>
               <p:ext uri="{D42A27DB-BD31-4B8C-83A1-F6EECF244321}">
-                <p14:modId xmlns:p14="http://schemas.microsoft.com/office/powerpoint/2010/main" val="3593724246"/>
+                <p14:modId xmlns:p14="http://schemas.microsoft.com/office/powerpoint/2010/main" val="3338972454"/>
               </p:ext>
             </p:extLst>
           </p:nvPr>
         </p:nvGraphicFramePr>
         <p:xfrm>
-          <a:off x="-26088" y="4742356"/>
-          <a:ext cx="1415491" cy="1623575"/>
+          <a:off x="7938" y="4741863"/>
+          <a:ext cx="1346200" cy="1624012"/>
         </p:xfrm>
         <a:graphic>
           <a:graphicData uri="http://schemas.openxmlformats.org/presentationml/2006/ole">
             <mc:AlternateContent xmlns:mc="http://schemas.openxmlformats.org/markup-compatibility/2006">
               <mc:Choice xmlns:v="urn:schemas-microsoft-com:vml" Requires="v">
-                <p:oleObj name="Prism 9" r:id="rId20" imgW="2289743" imgH="2625523" progId="Prism9.Document">
+                <p:oleObj name="Prism 9" r:id="rId20" imgW="2180262" imgH="2625523" progId="Prism9.Document">
                   <p:embed/>
                 </p:oleObj>
               </mc:Choice>
               <mc:Fallback>
-                <p:oleObj name="Prism 9" r:id="rId20" imgW="2289743" imgH="2625523" progId="Prism9.Document">
+                <p:oleObj name="Prism 9" r:id="rId20" imgW="2180262" imgH="2625523" progId="Prism9.Document">
                   <p:embed/>
                   <p:pic>
                     <p:nvPicPr>
@@ -7724,8 +7724,8 @@
                     </p:blipFill>
                     <p:spPr bwMode="auto">
                       <a:xfrm>
-                        <a:off x="-26088" y="4742356"/>
-                        <a:ext cx="1415491" cy="1623575"/>
+                        <a:off x="7938" y="4741863"/>
+                        <a:ext cx="1346200" cy="1624012"/>
                       </a:xfrm>
                       <a:prstGeom prst="rect">
                         <a:avLst/>
@@ -8936,7 +8936,7 @@
           <p:nvPr>
             <p:extLst>
               <p:ext uri="{D42A27DB-BD31-4B8C-83A1-F6EECF244321}">
-                <p14:modId xmlns:p14="http://schemas.microsoft.com/office/powerpoint/2010/main" val="2746998401"/>
+                <p14:modId xmlns:p14="http://schemas.microsoft.com/office/powerpoint/2010/main" val="3263256863"/>
               </p:ext>
             </p:extLst>
           </p:nvPr>
@@ -9009,25 +9009,25 @@
           <p:nvPr>
             <p:extLst>
               <p:ext uri="{D42A27DB-BD31-4B8C-83A1-F6EECF244321}">
-                <p14:modId xmlns:p14="http://schemas.microsoft.com/office/powerpoint/2010/main" val="3849809797"/>
+                <p14:modId xmlns:p14="http://schemas.microsoft.com/office/powerpoint/2010/main" val="2905947152"/>
               </p:ext>
             </p:extLst>
           </p:nvPr>
         </p:nvGraphicFramePr>
         <p:xfrm>
-          <a:off x="3098054" y="3539096"/>
-          <a:ext cx="1583089" cy="2401251"/>
+          <a:off x="3098800" y="3462338"/>
+          <a:ext cx="1582738" cy="2555875"/>
         </p:xfrm>
         <a:graphic>
           <a:graphicData uri="http://schemas.openxmlformats.org/presentationml/2006/ole">
             <mc:AlternateContent xmlns:mc="http://schemas.openxmlformats.org/markup-compatibility/2006">
               <mc:Choice xmlns:v="urn:schemas-microsoft-com:vml" Requires="v">
-                <p:oleObj name="Prism 9" r:id="rId14" imgW="1914842" imgH="2902842" progId="Prism9.Document">
+                <p:oleObj name="Prism 9" r:id="rId14" imgW="1914842" imgH="3090482" progId="Prism9.Document">
                   <p:embed/>
                 </p:oleObj>
               </mc:Choice>
               <mc:Fallback>
-                <p:oleObj name="Prism 9" r:id="rId14" imgW="1914842" imgH="2902842" progId="Prism9.Document">
+                <p:oleObj name="Prism 9" r:id="rId14" imgW="1914842" imgH="3090482" progId="Prism9.Document">
                   <p:embed/>
                   <p:pic>
                     <p:nvPicPr>
@@ -9052,8 +9052,8 @@
                     </p:blipFill>
                     <p:spPr bwMode="auto">
                       <a:xfrm>
-                        <a:off x="3098054" y="3539096"/>
-                        <a:ext cx="1583089" cy="2401251"/>
+                        <a:off x="3098800" y="3462338"/>
+                        <a:ext cx="1582738" cy="2555875"/>
                       </a:xfrm>
                       <a:prstGeom prst="rect">
                         <a:avLst/>
@@ -10376,25 +10376,25 @@
           <p:nvPr>
             <p:extLst>
               <p:ext uri="{D42A27DB-BD31-4B8C-83A1-F6EECF244321}">
-                <p14:modId xmlns:p14="http://schemas.microsoft.com/office/powerpoint/2010/main" val="3399659695"/>
+                <p14:modId xmlns:p14="http://schemas.microsoft.com/office/powerpoint/2010/main" val="3804711961"/>
               </p:ext>
             </p:extLst>
           </p:nvPr>
         </p:nvGraphicFramePr>
         <p:xfrm>
-          <a:off x="-12700" y="7383463"/>
-          <a:ext cx="2225675" cy="2146300"/>
+          <a:off x="-12700" y="7281863"/>
+          <a:ext cx="2225675" cy="2349500"/>
         </p:xfrm>
         <a:graphic>
           <a:graphicData uri="http://schemas.openxmlformats.org/presentationml/2006/ole">
             <mc:AlternateContent xmlns:mc="http://schemas.openxmlformats.org/markup-compatibility/2006">
               <mc:Choice xmlns:v="urn:schemas-microsoft-com:vml" Requires="v">
-                <p:oleObj name="Prism 9" r:id="rId2" imgW="2904495" imgH="2802359" progId="Prism9.Document">
+                <p:oleObj name="Prism 9" r:id="rId2" imgW="2904495" imgH="3069233" progId="Prism9.Document">
                   <p:embed/>
                 </p:oleObj>
               </mc:Choice>
               <mc:Fallback>
-                <p:oleObj name="Prism 9" r:id="rId2" imgW="2904495" imgH="2802359" progId="Prism9.Document">
+                <p:oleObj name="Prism 9" r:id="rId2" imgW="2904495" imgH="3069233" progId="Prism9.Document">
                   <p:embed/>
                   <p:pic>
                     <p:nvPicPr>
@@ -10416,8 +10416,8 @@
                     </p:blipFill>
                     <p:spPr>
                       <a:xfrm>
-                        <a:off x="-12700" y="7383463"/>
-                        <a:ext cx="2225675" cy="2146300"/>
+                        <a:off x="-12700" y="7281863"/>
+                        <a:ext cx="2225675" cy="2349500"/>
                       </a:xfrm>
                       <a:prstGeom prst="rect">
                         <a:avLst/>
@@ -10568,6 +10568,101 @@
           </a:graphicData>
         </a:graphic>
       </p:graphicFrame>
+      <p:pic>
+        <p:nvPicPr>
+          <p:cNvPr id="6" name="Picture 5">
+            <a:extLst>
+              <a:ext uri="{FF2B5EF4-FFF2-40B4-BE49-F238E27FC236}">
+                <a16:creationId xmlns:a16="http://schemas.microsoft.com/office/drawing/2014/main" id="{CC886E48-A6DC-ECC8-F8BD-A4565FF5414E}"/>
+              </a:ext>
+            </a:extLst>
+          </p:cNvPr>
+          <p:cNvPicPr>
+            <a:picLocks noChangeAspect="1"/>
+          </p:cNvPicPr>
+          <p:nvPr/>
+        </p:nvPicPr>
+        <p:blipFill>
+          <a:blip r:embed="rId8"/>
+          <a:stretch>
+            <a:fillRect/>
+          </a:stretch>
+        </p:blipFill>
+        <p:spPr>
+          <a:xfrm>
+            <a:off x="0" y="0"/>
+            <a:ext cx="6858000" cy="3621024"/>
+          </a:xfrm>
+          <a:prstGeom prst="rect">
+            <a:avLst/>
+          </a:prstGeom>
+        </p:spPr>
+      </p:pic>
+      <p:pic>
+        <p:nvPicPr>
+          <p:cNvPr id="10" name="Picture 9">
+            <a:extLst>
+              <a:ext uri="{FF2B5EF4-FFF2-40B4-BE49-F238E27FC236}">
+                <a16:creationId xmlns:a16="http://schemas.microsoft.com/office/drawing/2014/main" id="{4D27F788-A1A3-2FB0-4DA8-D75CBA572DB7}"/>
+              </a:ext>
+            </a:extLst>
+          </p:cNvPr>
+          <p:cNvPicPr>
+            <a:picLocks noChangeAspect="1"/>
+          </p:cNvPicPr>
+          <p:nvPr/>
+        </p:nvPicPr>
+        <p:blipFill>
+          <a:blip r:embed="rId9"/>
+          <a:stretch>
+            <a:fillRect/>
+          </a:stretch>
+        </p:blipFill>
+        <p:spPr>
+          <a:xfrm>
+            <a:off x="2845435" y="3499801"/>
+            <a:ext cx="4012565" cy="2906398"/>
+          </a:xfrm>
+          <a:prstGeom prst="rect">
+            <a:avLst/>
+          </a:prstGeom>
+        </p:spPr>
+      </p:pic>
+      <p:sp>
+        <p:nvSpPr>
+          <p:cNvPr id="11" name="TextBox 10">
+            <a:extLst>
+              <a:ext uri="{FF2B5EF4-FFF2-40B4-BE49-F238E27FC236}">
+                <a16:creationId xmlns:a16="http://schemas.microsoft.com/office/drawing/2014/main" id="{0C63F39B-12AF-3903-9F6B-9762F0F945EE}"/>
+              </a:ext>
+            </a:extLst>
+          </p:cNvPr>
+          <p:cNvSpPr txBox="1"/>
+          <p:nvPr/>
+        </p:nvSpPr>
+        <p:spPr>
+          <a:xfrm>
+            <a:off x="2514600" y="3552444"/>
+            <a:ext cx="1341120" cy="369332"/>
+          </a:xfrm>
+          <a:prstGeom prst="rect">
+            <a:avLst/>
+          </a:prstGeom>
+          <a:noFill/>
+        </p:spPr>
+        <p:txBody>
+          <a:bodyPr wrap="square" rtlCol="0">
+            <a:spAutoFit/>
+          </a:bodyPr>
+          <a:lstStyle/>
+          <a:p>
+            <a:r>
+              <a:rPr lang="en-US" dirty="0"/>
+              <a:t>P=0.84</a:t>
+            </a:r>
+          </a:p>
+        </p:txBody>
+      </p:sp>
     </p:spTree>
     <p:extLst>
       <p:ext uri="{BB962C8B-B14F-4D97-AF65-F5344CB8AC3E}">
